--- a/Project2/Project2.pptx
+++ b/Project2/Project2.pptx
@@ -17,7 +17,7 @@
     <p:sldId id="264" r:id="rId12"/>
   </p:sldIdLst>
   <p:sldSz cx="10080625" cy="7559675"/>
-  <p:notesSz cx="7559675" cy="10691812"/>
+  <p:notesSz cx="7772400" cy="10058400"/>
 </p:presentation>
 </file>
 
@@ -62,7 +62,7 @@
       </p:grpSpPr>
       <p:sp>
         <p:nvSpPr>
-          <p:cNvPr id="30" name="PlaceHolder 1"/>
+          <p:cNvPr id="24" name="PlaceHolder 1"/>
           <p:cNvSpPr>
             <a:spLocks noGrp="1"/>
           </p:cNvSpPr>
@@ -73,29 +73,27 @@
         <p:spPr>
           <a:xfrm>
             <a:off x="360000" y="360000"/>
-            <a:ext cx="9360000" cy="900000"/>
-          </a:xfrm>
-          <a:prstGeom prst="rect">
-            <a:avLst/>
-          </a:prstGeom>
-        </p:spPr>
-        <p:txBody>
-          <a:bodyPr lIns="0" rIns="0" tIns="0" bIns="0" anchor="b">
+            <a:ext cx="9359640" cy="899640"/>
+          </a:xfrm>
+          <a:prstGeom prst="rect">
+            <a:avLst/>
+          </a:prstGeom>
+        </p:spPr>
+        <p:txBody>
+          <a:bodyPr lIns="0" rIns="0" tIns="0" bIns="0" anchor="ctr">
             <a:noAutofit/>
           </a:bodyPr>
           <a:p>
-            <a:endParaRPr b="1" lang="en-US" sz="3200" spc="-1" strike="noStrike">
-              <a:solidFill>
-                <a:srgbClr val="ffffff"/>
-              </a:solidFill>
-              <a:latin typeface="Noto Sans Black"/>
-            </a:endParaRPr>
-          </a:p>
-        </p:txBody>
-      </p:sp>
-      <p:sp>
-        <p:nvSpPr>
-          <p:cNvPr id="31" name="PlaceHolder 2"/>
+            <a:pPr algn="ctr"/>
+            <a:endParaRPr b="0" lang="en-US" sz="4400" spc="-1" strike="noStrike">
+              <a:latin typeface="Arial"/>
+            </a:endParaRPr>
+          </a:p>
+        </p:txBody>
+      </p:sp>
+      <p:sp>
+        <p:nvSpPr>
+          <p:cNvPr id="25" name="PlaceHolder 2"/>
           <p:cNvSpPr>
             <a:spLocks noGrp="1"/>
           </p:cNvSpPr>
@@ -106,29 +104,26 @@
         <p:spPr>
           <a:xfrm>
             <a:off x="360000" y="1980000"/>
-            <a:ext cx="9180000" cy="2232000"/>
-          </a:xfrm>
-          <a:prstGeom prst="rect">
-            <a:avLst/>
-          </a:prstGeom>
-        </p:spPr>
-        <p:txBody>
-          <a:bodyPr lIns="0" rIns="0" tIns="0" bIns="0">
-            <a:normAutofit/>
-          </a:bodyPr>
-          <a:p>
-            <a:endParaRPr b="1" lang="en-US" sz="2600" spc="-1" strike="noStrike">
-              <a:solidFill>
-                <a:srgbClr val="1c1c1c"/>
-              </a:solidFill>
-              <a:latin typeface="Noto Sans SemiBold"/>
-            </a:endParaRPr>
-          </a:p>
-        </p:txBody>
-      </p:sp>
-      <p:sp>
-        <p:nvSpPr>
-          <p:cNvPr id="32" name="PlaceHolder 3"/>
+            <a:ext cx="9179640" cy="2232000"/>
+          </a:xfrm>
+          <a:prstGeom prst="rect">
+            <a:avLst/>
+          </a:prstGeom>
+        </p:spPr>
+        <p:txBody>
+          <a:bodyPr lIns="0" rIns="0" tIns="0" bIns="0">
+            <a:normAutofit/>
+          </a:bodyPr>
+          <a:p>
+            <a:endParaRPr b="0" lang="en-US" sz="3200" spc="-1" strike="noStrike">
+              <a:latin typeface="Arial"/>
+            </a:endParaRPr>
+          </a:p>
+        </p:txBody>
+      </p:sp>
+      <p:sp>
+        <p:nvSpPr>
+          <p:cNvPr id="26" name="PlaceHolder 3"/>
           <p:cNvSpPr>
             <a:spLocks noGrp="1"/>
           </p:cNvSpPr>
@@ -139,22 +134,19 @@
         <p:spPr>
           <a:xfrm>
             <a:off x="360000" y="4424400"/>
-            <a:ext cx="9180000" cy="2232000"/>
-          </a:xfrm>
-          <a:prstGeom prst="rect">
-            <a:avLst/>
-          </a:prstGeom>
-        </p:spPr>
-        <p:txBody>
-          <a:bodyPr lIns="0" rIns="0" tIns="0" bIns="0">
-            <a:normAutofit/>
-          </a:bodyPr>
-          <a:p>
-            <a:endParaRPr b="1" lang="en-US" sz="2600" spc="-1" strike="noStrike">
-              <a:solidFill>
-                <a:srgbClr val="1c1c1c"/>
-              </a:solidFill>
-              <a:latin typeface="Noto Sans SemiBold"/>
+            <a:ext cx="9179640" cy="2232000"/>
+          </a:xfrm>
+          <a:prstGeom prst="rect">
+            <a:avLst/>
+          </a:prstGeom>
+        </p:spPr>
+        <p:txBody>
+          <a:bodyPr lIns="0" rIns="0" tIns="0" bIns="0">
+            <a:normAutofit/>
+          </a:bodyPr>
+          <a:p>
+            <a:endParaRPr b="0" lang="en-US" sz="3200" spc="-1" strike="noStrike">
+              <a:latin typeface="Arial"/>
             </a:endParaRPr>
           </a:p>
         </p:txBody>
@@ -183,7 +175,7 @@
       </p:grpSpPr>
       <p:sp>
         <p:nvSpPr>
-          <p:cNvPr id="33" name="PlaceHolder 1"/>
+          <p:cNvPr id="27" name="PlaceHolder 1"/>
           <p:cNvSpPr>
             <a:spLocks noGrp="1"/>
           </p:cNvSpPr>
@@ -194,29 +186,27 @@
         <p:spPr>
           <a:xfrm>
             <a:off x="360000" y="360000"/>
-            <a:ext cx="9360000" cy="900000"/>
-          </a:xfrm>
-          <a:prstGeom prst="rect">
-            <a:avLst/>
-          </a:prstGeom>
-        </p:spPr>
-        <p:txBody>
-          <a:bodyPr lIns="0" rIns="0" tIns="0" bIns="0" anchor="b">
+            <a:ext cx="9359640" cy="899640"/>
+          </a:xfrm>
+          <a:prstGeom prst="rect">
+            <a:avLst/>
+          </a:prstGeom>
+        </p:spPr>
+        <p:txBody>
+          <a:bodyPr lIns="0" rIns="0" tIns="0" bIns="0" anchor="ctr">
             <a:noAutofit/>
           </a:bodyPr>
           <a:p>
-            <a:endParaRPr b="1" lang="en-US" sz="3200" spc="-1" strike="noStrike">
-              <a:solidFill>
-                <a:srgbClr val="ffffff"/>
-              </a:solidFill>
-              <a:latin typeface="Noto Sans Black"/>
-            </a:endParaRPr>
-          </a:p>
-        </p:txBody>
-      </p:sp>
-      <p:sp>
-        <p:nvSpPr>
-          <p:cNvPr id="34" name="PlaceHolder 2"/>
+            <a:pPr algn="ctr"/>
+            <a:endParaRPr b="0" lang="en-US" sz="4400" spc="-1" strike="noStrike">
+              <a:latin typeface="Arial"/>
+            </a:endParaRPr>
+          </a:p>
+        </p:txBody>
+      </p:sp>
+      <p:sp>
+        <p:nvSpPr>
+          <p:cNvPr id="28" name="PlaceHolder 2"/>
           <p:cNvSpPr>
             <a:spLocks noGrp="1"/>
           </p:cNvSpPr>
@@ -238,18 +228,15 @@
             <a:normAutofit/>
           </a:bodyPr>
           <a:p>
-            <a:endParaRPr b="1" lang="en-US" sz="2600" spc="-1" strike="noStrike">
-              <a:solidFill>
-                <a:srgbClr val="1c1c1c"/>
-              </a:solidFill>
-              <a:latin typeface="Noto Sans SemiBold"/>
-            </a:endParaRPr>
-          </a:p>
-        </p:txBody>
-      </p:sp>
-      <p:sp>
-        <p:nvSpPr>
-          <p:cNvPr id="35" name="PlaceHolder 3"/>
+            <a:endParaRPr b="0" lang="en-US" sz="3200" spc="-1" strike="noStrike">
+              <a:latin typeface="Arial"/>
+            </a:endParaRPr>
+          </a:p>
+        </p:txBody>
+      </p:sp>
+      <p:sp>
+        <p:nvSpPr>
+          <p:cNvPr id="29" name="PlaceHolder 3"/>
           <p:cNvSpPr>
             <a:spLocks noGrp="1"/>
           </p:cNvSpPr>
@@ -271,18 +258,15 @@
             <a:normAutofit/>
           </a:bodyPr>
           <a:p>
-            <a:endParaRPr b="1" lang="en-US" sz="2600" spc="-1" strike="noStrike">
-              <a:solidFill>
-                <a:srgbClr val="1c1c1c"/>
-              </a:solidFill>
-              <a:latin typeface="Noto Sans SemiBold"/>
-            </a:endParaRPr>
-          </a:p>
-        </p:txBody>
-      </p:sp>
-      <p:sp>
-        <p:nvSpPr>
-          <p:cNvPr id="36" name="PlaceHolder 4"/>
+            <a:endParaRPr b="0" lang="en-US" sz="3200" spc="-1" strike="noStrike">
+              <a:latin typeface="Arial"/>
+            </a:endParaRPr>
+          </a:p>
+        </p:txBody>
+      </p:sp>
+      <p:sp>
+        <p:nvSpPr>
+          <p:cNvPr id="30" name="PlaceHolder 4"/>
           <p:cNvSpPr>
             <a:spLocks noGrp="1"/>
           </p:cNvSpPr>
@@ -304,18 +288,15 @@
             <a:normAutofit/>
           </a:bodyPr>
           <a:p>
-            <a:endParaRPr b="1" lang="en-US" sz="2600" spc="-1" strike="noStrike">
-              <a:solidFill>
-                <a:srgbClr val="1c1c1c"/>
-              </a:solidFill>
-              <a:latin typeface="Noto Sans SemiBold"/>
-            </a:endParaRPr>
-          </a:p>
-        </p:txBody>
-      </p:sp>
-      <p:sp>
-        <p:nvSpPr>
-          <p:cNvPr id="37" name="PlaceHolder 5"/>
+            <a:endParaRPr b="0" lang="en-US" sz="3200" spc="-1" strike="noStrike">
+              <a:latin typeface="Arial"/>
+            </a:endParaRPr>
+          </a:p>
+        </p:txBody>
+      </p:sp>
+      <p:sp>
+        <p:nvSpPr>
+          <p:cNvPr id="31" name="PlaceHolder 5"/>
           <p:cNvSpPr>
             <a:spLocks noGrp="1"/>
           </p:cNvSpPr>
@@ -337,11 +318,8 @@
             <a:normAutofit/>
           </a:bodyPr>
           <a:p>
-            <a:endParaRPr b="1" lang="en-US" sz="2600" spc="-1" strike="noStrike">
-              <a:solidFill>
-                <a:srgbClr val="1c1c1c"/>
-              </a:solidFill>
-              <a:latin typeface="Noto Sans SemiBold"/>
+            <a:endParaRPr b="0" lang="en-US" sz="3200" spc="-1" strike="noStrike">
+              <a:latin typeface="Arial"/>
             </a:endParaRPr>
           </a:p>
         </p:txBody>
@@ -370,7 +348,7 @@
       </p:grpSpPr>
       <p:sp>
         <p:nvSpPr>
-          <p:cNvPr id="38" name="PlaceHolder 1"/>
+          <p:cNvPr id="32" name="PlaceHolder 1"/>
           <p:cNvSpPr>
             <a:spLocks noGrp="1"/>
           </p:cNvSpPr>
@@ -381,29 +359,27 @@
         <p:spPr>
           <a:xfrm>
             <a:off x="360000" y="360000"/>
-            <a:ext cx="9360000" cy="900000"/>
-          </a:xfrm>
-          <a:prstGeom prst="rect">
-            <a:avLst/>
-          </a:prstGeom>
-        </p:spPr>
-        <p:txBody>
-          <a:bodyPr lIns="0" rIns="0" tIns="0" bIns="0" anchor="b">
+            <a:ext cx="9359640" cy="899640"/>
+          </a:xfrm>
+          <a:prstGeom prst="rect">
+            <a:avLst/>
+          </a:prstGeom>
+        </p:spPr>
+        <p:txBody>
+          <a:bodyPr lIns="0" rIns="0" tIns="0" bIns="0" anchor="ctr">
             <a:noAutofit/>
           </a:bodyPr>
           <a:p>
-            <a:endParaRPr b="1" lang="en-US" sz="3200" spc="-1" strike="noStrike">
-              <a:solidFill>
-                <a:srgbClr val="ffffff"/>
-              </a:solidFill>
-              <a:latin typeface="Noto Sans Black"/>
-            </a:endParaRPr>
-          </a:p>
-        </p:txBody>
-      </p:sp>
-      <p:sp>
-        <p:nvSpPr>
-          <p:cNvPr id="39" name="PlaceHolder 2"/>
+            <a:pPr algn="ctr"/>
+            <a:endParaRPr b="0" lang="en-US" sz="4400" spc="-1" strike="noStrike">
+              <a:latin typeface="Arial"/>
+            </a:endParaRPr>
+          </a:p>
+        </p:txBody>
+      </p:sp>
+      <p:sp>
+        <p:nvSpPr>
+          <p:cNvPr id="33" name="PlaceHolder 2"/>
           <p:cNvSpPr>
             <a:spLocks noGrp="1"/>
           </p:cNvSpPr>
@@ -425,18 +401,15 @@
             <a:normAutofit/>
           </a:bodyPr>
           <a:p>
-            <a:endParaRPr b="1" lang="en-US" sz="2600" spc="-1" strike="noStrike">
-              <a:solidFill>
-                <a:srgbClr val="1c1c1c"/>
-              </a:solidFill>
-              <a:latin typeface="Noto Sans SemiBold"/>
-            </a:endParaRPr>
-          </a:p>
-        </p:txBody>
-      </p:sp>
-      <p:sp>
-        <p:nvSpPr>
-          <p:cNvPr id="40" name="PlaceHolder 3"/>
+            <a:endParaRPr b="0" lang="en-US" sz="3200" spc="-1" strike="noStrike">
+              <a:latin typeface="Arial"/>
+            </a:endParaRPr>
+          </a:p>
+        </p:txBody>
+      </p:sp>
+      <p:sp>
+        <p:nvSpPr>
+          <p:cNvPr id="34" name="PlaceHolder 3"/>
           <p:cNvSpPr>
             <a:spLocks noGrp="1"/>
           </p:cNvSpPr>
@@ -458,18 +431,15 @@
             <a:normAutofit/>
           </a:bodyPr>
           <a:p>
-            <a:endParaRPr b="1" lang="en-US" sz="2600" spc="-1" strike="noStrike">
-              <a:solidFill>
-                <a:srgbClr val="1c1c1c"/>
-              </a:solidFill>
-              <a:latin typeface="Noto Sans SemiBold"/>
-            </a:endParaRPr>
-          </a:p>
-        </p:txBody>
-      </p:sp>
-      <p:sp>
-        <p:nvSpPr>
-          <p:cNvPr id="41" name="PlaceHolder 4"/>
+            <a:endParaRPr b="0" lang="en-US" sz="3200" spc="-1" strike="noStrike">
+              <a:latin typeface="Arial"/>
+            </a:endParaRPr>
+          </a:p>
+        </p:txBody>
+      </p:sp>
+      <p:sp>
+        <p:nvSpPr>
+          <p:cNvPr id="35" name="PlaceHolder 4"/>
           <p:cNvSpPr>
             <a:spLocks noGrp="1"/>
           </p:cNvSpPr>
@@ -491,18 +461,15 @@
             <a:normAutofit/>
           </a:bodyPr>
           <a:p>
-            <a:endParaRPr b="1" lang="en-US" sz="2600" spc="-1" strike="noStrike">
-              <a:solidFill>
-                <a:srgbClr val="1c1c1c"/>
-              </a:solidFill>
-              <a:latin typeface="Noto Sans SemiBold"/>
-            </a:endParaRPr>
-          </a:p>
-        </p:txBody>
-      </p:sp>
-      <p:sp>
-        <p:nvSpPr>
-          <p:cNvPr id="42" name="PlaceHolder 5"/>
+            <a:endParaRPr b="0" lang="en-US" sz="3200" spc="-1" strike="noStrike">
+              <a:latin typeface="Arial"/>
+            </a:endParaRPr>
+          </a:p>
+        </p:txBody>
+      </p:sp>
+      <p:sp>
+        <p:nvSpPr>
+          <p:cNvPr id="36" name="PlaceHolder 5"/>
           <p:cNvSpPr>
             <a:spLocks noGrp="1"/>
           </p:cNvSpPr>
@@ -524,18 +491,15 @@
             <a:normAutofit/>
           </a:bodyPr>
           <a:p>
-            <a:endParaRPr b="1" lang="en-US" sz="2600" spc="-1" strike="noStrike">
-              <a:solidFill>
-                <a:srgbClr val="1c1c1c"/>
-              </a:solidFill>
-              <a:latin typeface="Noto Sans SemiBold"/>
-            </a:endParaRPr>
-          </a:p>
-        </p:txBody>
-      </p:sp>
-      <p:sp>
-        <p:nvSpPr>
-          <p:cNvPr id="43" name="PlaceHolder 6"/>
+            <a:endParaRPr b="0" lang="en-US" sz="3200" spc="-1" strike="noStrike">
+              <a:latin typeface="Arial"/>
+            </a:endParaRPr>
+          </a:p>
+        </p:txBody>
+      </p:sp>
+      <p:sp>
+        <p:nvSpPr>
+          <p:cNvPr id="37" name="PlaceHolder 6"/>
           <p:cNvSpPr>
             <a:spLocks noGrp="1"/>
           </p:cNvSpPr>
@@ -557,18 +521,15 @@
             <a:normAutofit/>
           </a:bodyPr>
           <a:p>
-            <a:endParaRPr b="1" lang="en-US" sz="2600" spc="-1" strike="noStrike">
-              <a:solidFill>
-                <a:srgbClr val="1c1c1c"/>
-              </a:solidFill>
-              <a:latin typeface="Noto Sans SemiBold"/>
-            </a:endParaRPr>
-          </a:p>
-        </p:txBody>
-      </p:sp>
-      <p:sp>
-        <p:nvSpPr>
-          <p:cNvPr id="44" name="PlaceHolder 7"/>
+            <a:endParaRPr b="0" lang="en-US" sz="3200" spc="-1" strike="noStrike">
+              <a:latin typeface="Arial"/>
+            </a:endParaRPr>
+          </a:p>
+        </p:txBody>
+      </p:sp>
+      <p:sp>
+        <p:nvSpPr>
+          <p:cNvPr id="38" name="PlaceHolder 7"/>
           <p:cNvSpPr>
             <a:spLocks noGrp="1"/>
           </p:cNvSpPr>
@@ -590,11 +551,8 @@
             <a:normAutofit/>
           </a:bodyPr>
           <a:p>
-            <a:endParaRPr b="1" lang="en-US" sz="2600" spc="-1" strike="noStrike">
-              <a:solidFill>
-                <a:srgbClr val="1c1c1c"/>
-              </a:solidFill>
-              <a:latin typeface="Noto Sans SemiBold"/>
+            <a:endParaRPr b="0" lang="en-US" sz="3200" spc="-1" strike="noStrike">
+              <a:latin typeface="Arial"/>
             </a:endParaRPr>
           </a:p>
         </p:txBody>
@@ -645,7 +603,7 @@
       </p:grpSpPr>
       <p:sp>
         <p:nvSpPr>
-          <p:cNvPr id="51" name="PlaceHolder 1"/>
+          <p:cNvPr id="45" name="PlaceHolder 1"/>
           <p:cNvSpPr>
             <a:spLocks noGrp="1"/>
           </p:cNvSpPr>
@@ -656,29 +614,27 @@
         <p:spPr>
           <a:xfrm>
             <a:off x="360000" y="360000"/>
-            <a:ext cx="9360000" cy="900000"/>
-          </a:xfrm>
-          <a:prstGeom prst="rect">
-            <a:avLst/>
-          </a:prstGeom>
-        </p:spPr>
-        <p:txBody>
-          <a:bodyPr lIns="0" rIns="0" tIns="0" bIns="0" anchor="b">
+            <a:ext cx="9359640" cy="899640"/>
+          </a:xfrm>
+          <a:prstGeom prst="rect">
+            <a:avLst/>
+          </a:prstGeom>
+        </p:spPr>
+        <p:txBody>
+          <a:bodyPr lIns="0" rIns="0" tIns="0" bIns="0" anchor="ctr">
             <a:noAutofit/>
           </a:bodyPr>
           <a:p>
-            <a:endParaRPr b="1" lang="en-US" sz="3200" spc="-1" strike="noStrike">
-              <a:solidFill>
-                <a:srgbClr val="ffffff"/>
-              </a:solidFill>
-              <a:latin typeface="Noto Sans Black"/>
-            </a:endParaRPr>
-          </a:p>
-        </p:txBody>
-      </p:sp>
-      <p:sp>
-        <p:nvSpPr>
-          <p:cNvPr id="52" name="PlaceHolder 2"/>
+            <a:pPr algn="ctr"/>
+            <a:endParaRPr b="0" lang="en-US" sz="4400" spc="-1" strike="noStrike">
+              <a:latin typeface="Arial"/>
+            </a:endParaRPr>
+          </a:p>
+        </p:txBody>
+      </p:sp>
+      <p:sp>
+        <p:nvSpPr>
+          <p:cNvPr id="46" name="PlaceHolder 2"/>
           <p:cNvSpPr>
             <a:spLocks noGrp="1"/>
           </p:cNvSpPr>
@@ -689,22 +645,20 @@
         <p:spPr>
           <a:xfrm>
             <a:off x="360000" y="1980000"/>
-            <a:ext cx="9180000" cy="4680000"/>
-          </a:xfrm>
-          <a:prstGeom prst="rect">
-            <a:avLst/>
-          </a:prstGeom>
-        </p:spPr>
-        <p:txBody>
-          <a:bodyPr lIns="0" rIns="0" tIns="0" bIns="0">
+            <a:ext cx="9179640" cy="4679640"/>
+          </a:xfrm>
+          <a:prstGeom prst="rect">
+            <a:avLst/>
+          </a:prstGeom>
+        </p:spPr>
+        <p:txBody>
+          <a:bodyPr lIns="0" rIns="0" tIns="0" bIns="0" anchor="ctr">
             <a:noAutofit/>
           </a:bodyPr>
           <a:p>
-            <a:endParaRPr b="0" lang="en-US" sz="2600" spc="-1" strike="noStrike">
-              <a:solidFill>
-                <a:srgbClr val="1c1c1c"/>
-              </a:solidFill>
-              <a:latin typeface="Noto Sans Light"/>
+            <a:pPr algn="ctr"/>
+            <a:endParaRPr b="0" lang="en-US" sz="3200" spc="-1" strike="noStrike">
+              <a:latin typeface="Arial"/>
             </a:endParaRPr>
           </a:p>
         </p:txBody>
@@ -733,7 +687,7 @@
       </p:grpSpPr>
       <p:sp>
         <p:nvSpPr>
-          <p:cNvPr id="53" name="PlaceHolder 1"/>
+          <p:cNvPr id="47" name="PlaceHolder 1"/>
           <p:cNvSpPr>
             <a:spLocks noGrp="1"/>
           </p:cNvSpPr>
@@ -744,29 +698,27 @@
         <p:spPr>
           <a:xfrm>
             <a:off x="360000" y="360000"/>
-            <a:ext cx="9360000" cy="900000"/>
-          </a:xfrm>
-          <a:prstGeom prst="rect">
-            <a:avLst/>
-          </a:prstGeom>
-        </p:spPr>
-        <p:txBody>
-          <a:bodyPr lIns="0" rIns="0" tIns="0" bIns="0" anchor="b">
+            <a:ext cx="9359640" cy="899640"/>
+          </a:xfrm>
+          <a:prstGeom prst="rect">
+            <a:avLst/>
+          </a:prstGeom>
+        </p:spPr>
+        <p:txBody>
+          <a:bodyPr lIns="0" rIns="0" tIns="0" bIns="0" anchor="ctr">
             <a:noAutofit/>
           </a:bodyPr>
           <a:p>
-            <a:endParaRPr b="1" lang="en-US" sz="3200" spc="-1" strike="noStrike">
-              <a:solidFill>
-                <a:srgbClr val="ffffff"/>
-              </a:solidFill>
-              <a:latin typeface="Noto Sans Black"/>
-            </a:endParaRPr>
-          </a:p>
-        </p:txBody>
-      </p:sp>
-      <p:sp>
-        <p:nvSpPr>
-          <p:cNvPr id="54" name="PlaceHolder 2"/>
+            <a:pPr algn="ctr"/>
+            <a:endParaRPr b="0" lang="en-US" sz="4400" spc="-1" strike="noStrike">
+              <a:latin typeface="Arial"/>
+            </a:endParaRPr>
+          </a:p>
+        </p:txBody>
+      </p:sp>
+      <p:sp>
+        <p:nvSpPr>
+          <p:cNvPr id="48" name="PlaceHolder 2"/>
           <p:cNvSpPr>
             <a:spLocks noGrp="1"/>
           </p:cNvSpPr>
@@ -777,22 +729,19 @@
         <p:spPr>
           <a:xfrm>
             <a:off x="360000" y="1980000"/>
-            <a:ext cx="9180000" cy="4680000"/>
-          </a:xfrm>
-          <a:prstGeom prst="rect">
-            <a:avLst/>
-          </a:prstGeom>
-        </p:spPr>
-        <p:txBody>
-          <a:bodyPr lIns="0" rIns="0" tIns="0" bIns="0">
-            <a:normAutofit/>
-          </a:bodyPr>
-          <a:p>
-            <a:endParaRPr b="1" lang="en-US" sz="2600" spc="-1" strike="noStrike">
-              <a:solidFill>
-                <a:srgbClr val="1c1c1c"/>
-              </a:solidFill>
-              <a:latin typeface="Noto Sans SemiBold"/>
+            <a:ext cx="9179640" cy="4679640"/>
+          </a:xfrm>
+          <a:prstGeom prst="rect">
+            <a:avLst/>
+          </a:prstGeom>
+        </p:spPr>
+        <p:txBody>
+          <a:bodyPr lIns="0" rIns="0" tIns="0" bIns="0">
+            <a:normAutofit/>
+          </a:bodyPr>
+          <a:p>
+            <a:endParaRPr b="0" lang="en-US" sz="3200" spc="-1" strike="noStrike">
+              <a:latin typeface="Arial"/>
             </a:endParaRPr>
           </a:p>
         </p:txBody>
@@ -821,7 +770,7 @@
       </p:grpSpPr>
       <p:sp>
         <p:nvSpPr>
-          <p:cNvPr id="55" name="PlaceHolder 1"/>
+          <p:cNvPr id="49" name="PlaceHolder 1"/>
           <p:cNvSpPr>
             <a:spLocks noGrp="1"/>
           </p:cNvSpPr>
@@ -832,29 +781,27 @@
         <p:spPr>
           <a:xfrm>
             <a:off x="360000" y="360000"/>
-            <a:ext cx="9360000" cy="900000"/>
-          </a:xfrm>
-          <a:prstGeom prst="rect">
-            <a:avLst/>
-          </a:prstGeom>
-        </p:spPr>
-        <p:txBody>
-          <a:bodyPr lIns="0" rIns="0" tIns="0" bIns="0" anchor="b">
+            <a:ext cx="9359640" cy="899640"/>
+          </a:xfrm>
+          <a:prstGeom prst="rect">
+            <a:avLst/>
+          </a:prstGeom>
+        </p:spPr>
+        <p:txBody>
+          <a:bodyPr lIns="0" rIns="0" tIns="0" bIns="0" anchor="ctr">
             <a:noAutofit/>
           </a:bodyPr>
           <a:p>
-            <a:endParaRPr b="1" lang="en-US" sz="3200" spc="-1" strike="noStrike">
-              <a:solidFill>
-                <a:srgbClr val="ffffff"/>
-              </a:solidFill>
-              <a:latin typeface="Noto Sans Black"/>
-            </a:endParaRPr>
-          </a:p>
-        </p:txBody>
-      </p:sp>
-      <p:sp>
-        <p:nvSpPr>
-          <p:cNvPr id="56" name="PlaceHolder 2"/>
+            <a:pPr algn="ctr"/>
+            <a:endParaRPr b="0" lang="en-US" sz="4400" spc="-1" strike="noStrike">
+              <a:latin typeface="Arial"/>
+            </a:endParaRPr>
+          </a:p>
+        </p:txBody>
+      </p:sp>
+      <p:sp>
+        <p:nvSpPr>
+          <p:cNvPr id="50" name="PlaceHolder 2"/>
           <p:cNvSpPr>
             <a:spLocks noGrp="1"/>
           </p:cNvSpPr>
@@ -865,29 +812,26 @@
         <p:spPr>
           <a:xfrm>
             <a:off x="360000" y="1980000"/>
-            <a:ext cx="4479480" cy="4680000"/>
-          </a:xfrm>
-          <a:prstGeom prst="rect">
-            <a:avLst/>
-          </a:prstGeom>
-        </p:spPr>
-        <p:txBody>
-          <a:bodyPr lIns="0" rIns="0" tIns="0" bIns="0">
-            <a:normAutofit/>
-          </a:bodyPr>
-          <a:p>
-            <a:endParaRPr b="1" lang="en-US" sz="2600" spc="-1" strike="noStrike">
-              <a:solidFill>
-                <a:srgbClr val="1c1c1c"/>
-              </a:solidFill>
-              <a:latin typeface="Noto Sans SemiBold"/>
-            </a:endParaRPr>
-          </a:p>
-        </p:txBody>
-      </p:sp>
-      <p:sp>
-        <p:nvSpPr>
-          <p:cNvPr id="57" name="PlaceHolder 3"/>
+            <a:ext cx="4479480" cy="4679640"/>
+          </a:xfrm>
+          <a:prstGeom prst="rect">
+            <a:avLst/>
+          </a:prstGeom>
+        </p:spPr>
+        <p:txBody>
+          <a:bodyPr lIns="0" rIns="0" tIns="0" bIns="0">
+            <a:normAutofit/>
+          </a:bodyPr>
+          <a:p>
+            <a:endParaRPr b="0" lang="en-US" sz="3200" spc="-1" strike="noStrike">
+              <a:latin typeface="Arial"/>
+            </a:endParaRPr>
+          </a:p>
+        </p:txBody>
+      </p:sp>
+      <p:sp>
+        <p:nvSpPr>
+          <p:cNvPr id="51" name="PlaceHolder 3"/>
           <p:cNvSpPr>
             <a:spLocks noGrp="1"/>
           </p:cNvSpPr>
@@ -898,22 +842,19 @@
         <p:spPr>
           <a:xfrm>
             <a:off x="5063760" y="1980000"/>
-            <a:ext cx="4479480" cy="4680000"/>
-          </a:xfrm>
-          <a:prstGeom prst="rect">
-            <a:avLst/>
-          </a:prstGeom>
-        </p:spPr>
-        <p:txBody>
-          <a:bodyPr lIns="0" rIns="0" tIns="0" bIns="0">
-            <a:normAutofit/>
-          </a:bodyPr>
-          <a:p>
-            <a:endParaRPr b="1" lang="en-US" sz="2600" spc="-1" strike="noStrike">
-              <a:solidFill>
-                <a:srgbClr val="1c1c1c"/>
-              </a:solidFill>
-              <a:latin typeface="Noto Sans SemiBold"/>
+            <a:ext cx="4479480" cy="4679640"/>
+          </a:xfrm>
+          <a:prstGeom prst="rect">
+            <a:avLst/>
+          </a:prstGeom>
+        </p:spPr>
+        <p:txBody>
+          <a:bodyPr lIns="0" rIns="0" tIns="0" bIns="0">
+            <a:normAutofit/>
+          </a:bodyPr>
+          <a:p>
+            <a:endParaRPr b="0" lang="en-US" sz="3200" spc="-1" strike="noStrike">
+              <a:latin typeface="Arial"/>
             </a:endParaRPr>
           </a:p>
         </p:txBody>
@@ -942,7 +883,7 @@
       </p:grpSpPr>
       <p:sp>
         <p:nvSpPr>
-          <p:cNvPr id="58" name="PlaceHolder 1"/>
+          <p:cNvPr id="52" name="PlaceHolder 1"/>
           <p:cNvSpPr>
             <a:spLocks noGrp="1"/>
           </p:cNvSpPr>
@@ -953,22 +894,20 @@
         <p:spPr>
           <a:xfrm>
             <a:off x="360000" y="360000"/>
-            <a:ext cx="9360000" cy="900000"/>
-          </a:xfrm>
-          <a:prstGeom prst="rect">
-            <a:avLst/>
-          </a:prstGeom>
-        </p:spPr>
-        <p:txBody>
-          <a:bodyPr lIns="0" rIns="0" tIns="0" bIns="0" anchor="b">
+            <a:ext cx="9359640" cy="899640"/>
+          </a:xfrm>
+          <a:prstGeom prst="rect">
+            <a:avLst/>
+          </a:prstGeom>
+        </p:spPr>
+        <p:txBody>
+          <a:bodyPr lIns="0" rIns="0" tIns="0" bIns="0" anchor="ctr">
             <a:noAutofit/>
           </a:bodyPr>
           <a:p>
-            <a:endParaRPr b="1" lang="en-US" sz="3200" spc="-1" strike="noStrike">
-              <a:solidFill>
-                <a:srgbClr val="ffffff"/>
-              </a:solidFill>
-              <a:latin typeface="Noto Sans Black"/>
+            <a:pPr algn="ctr"/>
+            <a:endParaRPr b="0" lang="en-US" sz="4400" spc="-1" strike="noStrike">
+              <a:latin typeface="Arial"/>
             </a:endParaRPr>
           </a:p>
         </p:txBody>
@@ -997,7 +936,7 @@
       </p:grpSpPr>
       <p:sp>
         <p:nvSpPr>
-          <p:cNvPr id="59" name="PlaceHolder 1"/>
+          <p:cNvPr id="53" name="PlaceHolder 1"/>
           <p:cNvSpPr>
             <a:spLocks noGrp="1"/>
           </p:cNvSpPr>
@@ -1008,22 +947,20 @@
         <p:spPr>
           <a:xfrm>
             <a:off x="360000" y="360000"/>
-            <a:ext cx="9360000" cy="4173120"/>
-          </a:xfrm>
-          <a:prstGeom prst="rect">
-            <a:avLst/>
-          </a:prstGeom>
-        </p:spPr>
-        <p:txBody>
-          <a:bodyPr lIns="0" rIns="0" tIns="0" bIns="0">
+            <a:ext cx="9359640" cy="4171680"/>
+          </a:xfrm>
+          <a:prstGeom prst="rect">
+            <a:avLst/>
+          </a:prstGeom>
+        </p:spPr>
+        <p:txBody>
+          <a:bodyPr lIns="0" rIns="0" tIns="0" bIns="0" anchor="ctr">
             <a:noAutofit/>
           </a:bodyPr>
           <a:p>
-            <a:endParaRPr b="0" lang="en-US" sz="2600" spc="-1" strike="noStrike">
-              <a:solidFill>
-                <a:srgbClr val="1c1c1c"/>
-              </a:solidFill>
-              <a:latin typeface="Noto Sans Light"/>
+            <a:pPr algn="ctr"/>
+            <a:endParaRPr b="0" lang="en-US" sz="3200" spc="-1" strike="noStrike">
+              <a:latin typeface="Arial"/>
             </a:endParaRPr>
           </a:p>
         </p:txBody>
@@ -1052,7 +989,7 @@
       </p:grpSpPr>
       <p:sp>
         <p:nvSpPr>
-          <p:cNvPr id="60" name="PlaceHolder 1"/>
+          <p:cNvPr id="54" name="PlaceHolder 1"/>
           <p:cNvSpPr>
             <a:spLocks noGrp="1"/>
           </p:cNvSpPr>
@@ -1063,29 +1000,27 @@
         <p:spPr>
           <a:xfrm>
             <a:off x="360000" y="360000"/>
-            <a:ext cx="9360000" cy="900000"/>
-          </a:xfrm>
-          <a:prstGeom prst="rect">
-            <a:avLst/>
-          </a:prstGeom>
-        </p:spPr>
-        <p:txBody>
-          <a:bodyPr lIns="0" rIns="0" tIns="0" bIns="0" anchor="b">
+            <a:ext cx="9359640" cy="899640"/>
+          </a:xfrm>
+          <a:prstGeom prst="rect">
+            <a:avLst/>
+          </a:prstGeom>
+        </p:spPr>
+        <p:txBody>
+          <a:bodyPr lIns="0" rIns="0" tIns="0" bIns="0" anchor="ctr">
             <a:noAutofit/>
           </a:bodyPr>
           <a:p>
-            <a:endParaRPr b="1" lang="en-US" sz="3200" spc="-1" strike="noStrike">
-              <a:solidFill>
-                <a:srgbClr val="ffffff"/>
-              </a:solidFill>
-              <a:latin typeface="Noto Sans Black"/>
-            </a:endParaRPr>
-          </a:p>
-        </p:txBody>
-      </p:sp>
-      <p:sp>
-        <p:nvSpPr>
-          <p:cNvPr id="61" name="PlaceHolder 2"/>
+            <a:pPr algn="ctr"/>
+            <a:endParaRPr b="0" lang="en-US" sz="4400" spc="-1" strike="noStrike">
+              <a:latin typeface="Arial"/>
+            </a:endParaRPr>
+          </a:p>
+        </p:txBody>
+      </p:sp>
+      <p:sp>
+        <p:nvSpPr>
+          <p:cNvPr id="55" name="PlaceHolder 2"/>
           <p:cNvSpPr>
             <a:spLocks noGrp="1"/>
           </p:cNvSpPr>
@@ -1107,18 +1042,15 @@
             <a:normAutofit/>
           </a:bodyPr>
           <a:p>
-            <a:endParaRPr b="1" lang="en-US" sz="2600" spc="-1" strike="noStrike">
-              <a:solidFill>
-                <a:srgbClr val="1c1c1c"/>
-              </a:solidFill>
-              <a:latin typeface="Noto Sans SemiBold"/>
-            </a:endParaRPr>
-          </a:p>
-        </p:txBody>
-      </p:sp>
-      <p:sp>
-        <p:nvSpPr>
-          <p:cNvPr id="62" name="PlaceHolder 3"/>
+            <a:endParaRPr b="0" lang="en-US" sz="3200" spc="-1" strike="noStrike">
+              <a:latin typeface="Arial"/>
+            </a:endParaRPr>
+          </a:p>
+        </p:txBody>
+      </p:sp>
+      <p:sp>
+        <p:nvSpPr>
+          <p:cNvPr id="56" name="PlaceHolder 3"/>
           <p:cNvSpPr>
             <a:spLocks noGrp="1"/>
           </p:cNvSpPr>
@@ -1129,29 +1061,26 @@
         <p:spPr>
           <a:xfrm>
             <a:off x="5063760" y="1980000"/>
-            <a:ext cx="4479480" cy="4680000"/>
-          </a:xfrm>
-          <a:prstGeom prst="rect">
-            <a:avLst/>
-          </a:prstGeom>
-        </p:spPr>
-        <p:txBody>
-          <a:bodyPr lIns="0" rIns="0" tIns="0" bIns="0">
-            <a:normAutofit/>
-          </a:bodyPr>
-          <a:p>
-            <a:endParaRPr b="1" lang="en-US" sz="2600" spc="-1" strike="noStrike">
-              <a:solidFill>
-                <a:srgbClr val="1c1c1c"/>
-              </a:solidFill>
-              <a:latin typeface="Noto Sans SemiBold"/>
-            </a:endParaRPr>
-          </a:p>
-        </p:txBody>
-      </p:sp>
-      <p:sp>
-        <p:nvSpPr>
-          <p:cNvPr id="63" name="PlaceHolder 4"/>
+            <a:ext cx="4479480" cy="4679640"/>
+          </a:xfrm>
+          <a:prstGeom prst="rect">
+            <a:avLst/>
+          </a:prstGeom>
+        </p:spPr>
+        <p:txBody>
+          <a:bodyPr lIns="0" rIns="0" tIns="0" bIns="0">
+            <a:normAutofit/>
+          </a:bodyPr>
+          <a:p>
+            <a:endParaRPr b="0" lang="en-US" sz="3200" spc="-1" strike="noStrike">
+              <a:latin typeface="Arial"/>
+            </a:endParaRPr>
+          </a:p>
+        </p:txBody>
+      </p:sp>
+      <p:sp>
+        <p:nvSpPr>
+          <p:cNvPr id="57" name="PlaceHolder 4"/>
           <p:cNvSpPr>
             <a:spLocks noGrp="1"/>
           </p:cNvSpPr>
@@ -1173,11 +1102,8 @@
             <a:normAutofit/>
           </a:bodyPr>
           <a:p>
-            <a:endParaRPr b="1" lang="en-US" sz="2600" spc="-1" strike="noStrike">
-              <a:solidFill>
-                <a:srgbClr val="1c1c1c"/>
-              </a:solidFill>
-              <a:latin typeface="Noto Sans SemiBold"/>
+            <a:endParaRPr b="0" lang="en-US" sz="3200" spc="-1" strike="noStrike">
+              <a:latin typeface="Arial"/>
             </a:endParaRPr>
           </a:p>
         </p:txBody>
@@ -1206,7 +1132,7 @@
       </p:grpSpPr>
       <p:sp>
         <p:nvSpPr>
-          <p:cNvPr id="9" name="PlaceHolder 1"/>
+          <p:cNvPr id="3" name="PlaceHolder 1"/>
           <p:cNvSpPr>
             <a:spLocks noGrp="1"/>
           </p:cNvSpPr>
@@ -1217,29 +1143,27 @@
         <p:spPr>
           <a:xfrm>
             <a:off x="360000" y="360000"/>
-            <a:ext cx="9360000" cy="900000"/>
-          </a:xfrm>
-          <a:prstGeom prst="rect">
-            <a:avLst/>
-          </a:prstGeom>
-        </p:spPr>
-        <p:txBody>
-          <a:bodyPr lIns="0" rIns="0" tIns="0" bIns="0" anchor="b">
+            <a:ext cx="9359640" cy="899640"/>
+          </a:xfrm>
+          <a:prstGeom prst="rect">
+            <a:avLst/>
+          </a:prstGeom>
+        </p:spPr>
+        <p:txBody>
+          <a:bodyPr lIns="0" rIns="0" tIns="0" bIns="0" anchor="ctr">
             <a:noAutofit/>
           </a:bodyPr>
           <a:p>
-            <a:endParaRPr b="1" lang="en-US" sz="3200" spc="-1" strike="noStrike">
-              <a:solidFill>
-                <a:srgbClr val="ffffff"/>
-              </a:solidFill>
-              <a:latin typeface="Noto Sans Black"/>
-            </a:endParaRPr>
-          </a:p>
-        </p:txBody>
-      </p:sp>
-      <p:sp>
-        <p:nvSpPr>
-          <p:cNvPr id="10" name="PlaceHolder 2"/>
+            <a:pPr algn="ctr"/>
+            <a:endParaRPr b="0" lang="en-US" sz="4400" spc="-1" strike="noStrike">
+              <a:latin typeface="Arial"/>
+            </a:endParaRPr>
+          </a:p>
+        </p:txBody>
+      </p:sp>
+      <p:sp>
+        <p:nvSpPr>
+          <p:cNvPr id="4" name="PlaceHolder 2"/>
           <p:cNvSpPr>
             <a:spLocks noGrp="1"/>
           </p:cNvSpPr>
@@ -1250,22 +1174,20 @@
         <p:spPr>
           <a:xfrm>
             <a:off x="360000" y="1980000"/>
-            <a:ext cx="9180000" cy="4680000"/>
-          </a:xfrm>
-          <a:prstGeom prst="rect">
-            <a:avLst/>
-          </a:prstGeom>
-        </p:spPr>
-        <p:txBody>
-          <a:bodyPr lIns="0" rIns="0" tIns="0" bIns="0">
+            <a:ext cx="9179640" cy="4679640"/>
+          </a:xfrm>
+          <a:prstGeom prst="rect">
+            <a:avLst/>
+          </a:prstGeom>
+        </p:spPr>
+        <p:txBody>
+          <a:bodyPr lIns="0" rIns="0" tIns="0" bIns="0" anchor="ctr">
             <a:noAutofit/>
           </a:bodyPr>
           <a:p>
-            <a:endParaRPr b="0" lang="en-US" sz="2600" spc="-1" strike="noStrike">
-              <a:solidFill>
-                <a:srgbClr val="1c1c1c"/>
-              </a:solidFill>
-              <a:latin typeface="Noto Sans Light"/>
+            <a:pPr algn="ctr"/>
+            <a:endParaRPr b="0" lang="en-US" sz="3200" spc="-1" strike="noStrike">
+              <a:latin typeface="Arial"/>
             </a:endParaRPr>
           </a:p>
         </p:txBody>
@@ -1294,7 +1216,7 @@
       </p:grpSpPr>
       <p:sp>
         <p:nvSpPr>
-          <p:cNvPr id="64" name="PlaceHolder 1"/>
+          <p:cNvPr id="58" name="PlaceHolder 1"/>
           <p:cNvSpPr>
             <a:spLocks noGrp="1"/>
           </p:cNvSpPr>
@@ -1305,29 +1227,27 @@
         <p:spPr>
           <a:xfrm>
             <a:off x="360000" y="360000"/>
-            <a:ext cx="9360000" cy="900000"/>
-          </a:xfrm>
-          <a:prstGeom prst="rect">
-            <a:avLst/>
-          </a:prstGeom>
-        </p:spPr>
-        <p:txBody>
-          <a:bodyPr lIns="0" rIns="0" tIns="0" bIns="0" anchor="b">
+            <a:ext cx="9359640" cy="899640"/>
+          </a:xfrm>
+          <a:prstGeom prst="rect">
+            <a:avLst/>
+          </a:prstGeom>
+        </p:spPr>
+        <p:txBody>
+          <a:bodyPr lIns="0" rIns="0" tIns="0" bIns="0" anchor="ctr">
             <a:noAutofit/>
           </a:bodyPr>
           <a:p>
-            <a:endParaRPr b="1" lang="en-US" sz="3200" spc="-1" strike="noStrike">
-              <a:solidFill>
-                <a:srgbClr val="ffffff"/>
-              </a:solidFill>
-              <a:latin typeface="Noto Sans Black"/>
-            </a:endParaRPr>
-          </a:p>
-        </p:txBody>
-      </p:sp>
-      <p:sp>
-        <p:nvSpPr>
-          <p:cNvPr id="65" name="PlaceHolder 2"/>
+            <a:pPr algn="ctr"/>
+            <a:endParaRPr b="0" lang="en-US" sz="4400" spc="-1" strike="noStrike">
+              <a:latin typeface="Arial"/>
+            </a:endParaRPr>
+          </a:p>
+        </p:txBody>
+      </p:sp>
+      <p:sp>
+        <p:nvSpPr>
+          <p:cNvPr id="59" name="PlaceHolder 2"/>
           <p:cNvSpPr>
             <a:spLocks noGrp="1"/>
           </p:cNvSpPr>
@@ -1338,29 +1258,26 @@
         <p:spPr>
           <a:xfrm>
             <a:off x="360000" y="1980000"/>
-            <a:ext cx="4479480" cy="4680000"/>
-          </a:xfrm>
-          <a:prstGeom prst="rect">
-            <a:avLst/>
-          </a:prstGeom>
-        </p:spPr>
-        <p:txBody>
-          <a:bodyPr lIns="0" rIns="0" tIns="0" bIns="0">
-            <a:normAutofit/>
-          </a:bodyPr>
-          <a:p>
-            <a:endParaRPr b="1" lang="en-US" sz="2600" spc="-1" strike="noStrike">
-              <a:solidFill>
-                <a:srgbClr val="1c1c1c"/>
-              </a:solidFill>
-              <a:latin typeface="Noto Sans SemiBold"/>
-            </a:endParaRPr>
-          </a:p>
-        </p:txBody>
-      </p:sp>
-      <p:sp>
-        <p:nvSpPr>
-          <p:cNvPr id="66" name="PlaceHolder 3"/>
+            <a:ext cx="4479480" cy="4679640"/>
+          </a:xfrm>
+          <a:prstGeom prst="rect">
+            <a:avLst/>
+          </a:prstGeom>
+        </p:spPr>
+        <p:txBody>
+          <a:bodyPr lIns="0" rIns="0" tIns="0" bIns="0">
+            <a:normAutofit/>
+          </a:bodyPr>
+          <a:p>
+            <a:endParaRPr b="0" lang="en-US" sz="3200" spc="-1" strike="noStrike">
+              <a:latin typeface="Arial"/>
+            </a:endParaRPr>
+          </a:p>
+        </p:txBody>
+      </p:sp>
+      <p:sp>
+        <p:nvSpPr>
+          <p:cNvPr id="60" name="PlaceHolder 3"/>
           <p:cNvSpPr>
             <a:spLocks noGrp="1"/>
           </p:cNvSpPr>
@@ -1382,18 +1299,15 @@
             <a:normAutofit/>
           </a:bodyPr>
           <a:p>
-            <a:endParaRPr b="1" lang="en-US" sz="2600" spc="-1" strike="noStrike">
-              <a:solidFill>
-                <a:srgbClr val="1c1c1c"/>
-              </a:solidFill>
-              <a:latin typeface="Noto Sans SemiBold"/>
-            </a:endParaRPr>
-          </a:p>
-        </p:txBody>
-      </p:sp>
-      <p:sp>
-        <p:nvSpPr>
-          <p:cNvPr id="67" name="PlaceHolder 4"/>
+            <a:endParaRPr b="0" lang="en-US" sz="3200" spc="-1" strike="noStrike">
+              <a:latin typeface="Arial"/>
+            </a:endParaRPr>
+          </a:p>
+        </p:txBody>
+      </p:sp>
+      <p:sp>
+        <p:nvSpPr>
+          <p:cNvPr id="61" name="PlaceHolder 4"/>
           <p:cNvSpPr>
             <a:spLocks noGrp="1"/>
           </p:cNvSpPr>
@@ -1415,11 +1329,8 @@
             <a:normAutofit/>
           </a:bodyPr>
           <a:p>
-            <a:endParaRPr b="1" lang="en-US" sz="2600" spc="-1" strike="noStrike">
-              <a:solidFill>
-                <a:srgbClr val="1c1c1c"/>
-              </a:solidFill>
-              <a:latin typeface="Noto Sans SemiBold"/>
+            <a:endParaRPr b="0" lang="en-US" sz="3200" spc="-1" strike="noStrike">
+              <a:latin typeface="Arial"/>
             </a:endParaRPr>
           </a:p>
         </p:txBody>
@@ -1448,7 +1359,7 @@
       </p:grpSpPr>
       <p:sp>
         <p:nvSpPr>
-          <p:cNvPr id="68" name="PlaceHolder 1"/>
+          <p:cNvPr id="62" name="PlaceHolder 1"/>
           <p:cNvSpPr>
             <a:spLocks noGrp="1"/>
           </p:cNvSpPr>
@@ -1459,29 +1370,27 @@
         <p:spPr>
           <a:xfrm>
             <a:off x="360000" y="360000"/>
-            <a:ext cx="9360000" cy="900000"/>
-          </a:xfrm>
-          <a:prstGeom prst="rect">
-            <a:avLst/>
-          </a:prstGeom>
-        </p:spPr>
-        <p:txBody>
-          <a:bodyPr lIns="0" rIns="0" tIns="0" bIns="0" anchor="b">
+            <a:ext cx="9359640" cy="899640"/>
+          </a:xfrm>
+          <a:prstGeom prst="rect">
+            <a:avLst/>
+          </a:prstGeom>
+        </p:spPr>
+        <p:txBody>
+          <a:bodyPr lIns="0" rIns="0" tIns="0" bIns="0" anchor="ctr">
             <a:noAutofit/>
           </a:bodyPr>
           <a:p>
-            <a:endParaRPr b="1" lang="en-US" sz="3200" spc="-1" strike="noStrike">
-              <a:solidFill>
-                <a:srgbClr val="ffffff"/>
-              </a:solidFill>
-              <a:latin typeface="Noto Sans Black"/>
-            </a:endParaRPr>
-          </a:p>
-        </p:txBody>
-      </p:sp>
-      <p:sp>
-        <p:nvSpPr>
-          <p:cNvPr id="69" name="PlaceHolder 2"/>
+            <a:pPr algn="ctr"/>
+            <a:endParaRPr b="0" lang="en-US" sz="4400" spc="-1" strike="noStrike">
+              <a:latin typeface="Arial"/>
+            </a:endParaRPr>
+          </a:p>
+        </p:txBody>
+      </p:sp>
+      <p:sp>
+        <p:nvSpPr>
+          <p:cNvPr id="63" name="PlaceHolder 2"/>
           <p:cNvSpPr>
             <a:spLocks noGrp="1"/>
           </p:cNvSpPr>
@@ -1503,18 +1412,15 @@
             <a:normAutofit/>
           </a:bodyPr>
           <a:p>
-            <a:endParaRPr b="1" lang="en-US" sz="2600" spc="-1" strike="noStrike">
-              <a:solidFill>
-                <a:srgbClr val="1c1c1c"/>
-              </a:solidFill>
-              <a:latin typeface="Noto Sans SemiBold"/>
-            </a:endParaRPr>
-          </a:p>
-        </p:txBody>
-      </p:sp>
-      <p:sp>
-        <p:nvSpPr>
-          <p:cNvPr id="70" name="PlaceHolder 3"/>
+            <a:endParaRPr b="0" lang="en-US" sz="3200" spc="-1" strike="noStrike">
+              <a:latin typeface="Arial"/>
+            </a:endParaRPr>
+          </a:p>
+        </p:txBody>
+      </p:sp>
+      <p:sp>
+        <p:nvSpPr>
+          <p:cNvPr id="64" name="PlaceHolder 3"/>
           <p:cNvSpPr>
             <a:spLocks noGrp="1"/>
           </p:cNvSpPr>
@@ -1536,18 +1442,15 @@
             <a:normAutofit/>
           </a:bodyPr>
           <a:p>
-            <a:endParaRPr b="1" lang="en-US" sz="2600" spc="-1" strike="noStrike">
-              <a:solidFill>
-                <a:srgbClr val="1c1c1c"/>
-              </a:solidFill>
-              <a:latin typeface="Noto Sans SemiBold"/>
-            </a:endParaRPr>
-          </a:p>
-        </p:txBody>
-      </p:sp>
-      <p:sp>
-        <p:nvSpPr>
-          <p:cNvPr id="71" name="PlaceHolder 4"/>
+            <a:endParaRPr b="0" lang="en-US" sz="3200" spc="-1" strike="noStrike">
+              <a:latin typeface="Arial"/>
+            </a:endParaRPr>
+          </a:p>
+        </p:txBody>
+      </p:sp>
+      <p:sp>
+        <p:nvSpPr>
+          <p:cNvPr id="65" name="PlaceHolder 4"/>
           <p:cNvSpPr>
             <a:spLocks noGrp="1"/>
           </p:cNvSpPr>
@@ -1558,22 +1461,19 @@
         <p:spPr>
           <a:xfrm>
             <a:off x="360000" y="4424400"/>
-            <a:ext cx="9180000" cy="2232000"/>
-          </a:xfrm>
-          <a:prstGeom prst="rect">
-            <a:avLst/>
-          </a:prstGeom>
-        </p:spPr>
-        <p:txBody>
-          <a:bodyPr lIns="0" rIns="0" tIns="0" bIns="0">
-            <a:normAutofit/>
-          </a:bodyPr>
-          <a:p>
-            <a:endParaRPr b="1" lang="en-US" sz="2600" spc="-1" strike="noStrike">
-              <a:solidFill>
-                <a:srgbClr val="1c1c1c"/>
-              </a:solidFill>
-              <a:latin typeface="Noto Sans SemiBold"/>
+            <a:ext cx="9179640" cy="2232000"/>
+          </a:xfrm>
+          <a:prstGeom prst="rect">
+            <a:avLst/>
+          </a:prstGeom>
+        </p:spPr>
+        <p:txBody>
+          <a:bodyPr lIns="0" rIns="0" tIns="0" bIns="0">
+            <a:normAutofit/>
+          </a:bodyPr>
+          <a:p>
+            <a:endParaRPr b="0" lang="en-US" sz="3200" spc="-1" strike="noStrike">
+              <a:latin typeface="Arial"/>
             </a:endParaRPr>
           </a:p>
         </p:txBody>
@@ -1602,7 +1502,7 @@
       </p:grpSpPr>
       <p:sp>
         <p:nvSpPr>
-          <p:cNvPr id="72" name="PlaceHolder 1"/>
+          <p:cNvPr id="66" name="PlaceHolder 1"/>
           <p:cNvSpPr>
             <a:spLocks noGrp="1"/>
           </p:cNvSpPr>
@@ -1613,29 +1513,27 @@
         <p:spPr>
           <a:xfrm>
             <a:off x="360000" y="360000"/>
-            <a:ext cx="9360000" cy="900000"/>
-          </a:xfrm>
-          <a:prstGeom prst="rect">
-            <a:avLst/>
-          </a:prstGeom>
-        </p:spPr>
-        <p:txBody>
-          <a:bodyPr lIns="0" rIns="0" tIns="0" bIns="0" anchor="b">
+            <a:ext cx="9359640" cy="899640"/>
+          </a:xfrm>
+          <a:prstGeom prst="rect">
+            <a:avLst/>
+          </a:prstGeom>
+        </p:spPr>
+        <p:txBody>
+          <a:bodyPr lIns="0" rIns="0" tIns="0" bIns="0" anchor="ctr">
             <a:noAutofit/>
           </a:bodyPr>
           <a:p>
-            <a:endParaRPr b="1" lang="en-US" sz="3200" spc="-1" strike="noStrike">
-              <a:solidFill>
-                <a:srgbClr val="ffffff"/>
-              </a:solidFill>
-              <a:latin typeface="Noto Sans Black"/>
-            </a:endParaRPr>
-          </a:p>
-        </p:txBody>
-      </p:sp>
-      <p:sp>
-        <p:nvSpPr>
-          <p:cNvPr id="73" name="PlaceHolder 2"/>
+            <a:pPr algn="ctr"/>
+            <a:endParaRPr b="0" lang="en-US" sz="4400" spc="-1" strike="noStrike">
+              <a:latin typeface="Arial"/>
+            </a:endParaRPr>
+          </a:p>
+        </p:txBody>
+      </p:sp>
+      <p:sp>
+        <p:nvSpPr>
+          <p:cNvPr id="67" name="PlaceHolder 2"/>
           <p:cNvSpPr>
             <a:spLocks noGrp="1"/>
           </p:cNvSpPr>
@@ -1646,29 +1544,26 @@
         <p:spPr>
           <a:xfrm>
             <a:off x="360000" y="1980000"/>
-            <a:ext cx="9180000" cy="2232000"/>
-          </a:xfrm>
-          <a:prstGeom prst="rect">
-            <a:avLst/>
-          </a:prstGeom>
-        </p:spPr>
-        <p:txBody>
-          <a:bodyPr lIns="0" rIns="0" tIns="0" bIns="0">
-            <a:normAutofit/>
-          </a:bodyPr>
-          <a:p>
-            <a:endParaRPr b="1" lang="en-US" sz="2600" spc="-1" strike="noStrike">
-              <a:solidFill>
-                <a:srgbClr val="1c1c1c"/>
-              </a:solidFill>
-              <a:latin typeface="Noto Sans SemiBold"/>
-            </a:endParaRPr>
-          </a:p>
-        </p:txBody>
-      </p:sp>
-      <p:sp>
-        <p:nvSpPr>
-          <p:cNvPr id="74" name="PlaceHolder 3"/>
+            <a:ext cx="9179640" cy="2232000"/>
+          </a:xfrm>
+          <a:prstGeom prst="rect">
+            <a:avLst/>
+          </a:prstGeom>
+        </p:spPr>
+        <p:txBody>
+          <a:bodyPr lIns="0" rIns="0" tIns="0" bIns="0">
+            <a:normAutofit/>
+          </a:bodyPr>
+          <a:p>
+            <a:endParaRPr b="0" lang="en-US" sz="3200" spc="-1" strike="noStrike">
+              <a:latin typeface="Arial"/>
+            </a:endParaRPr>
+          </a:p>
+        </p:txBody>
+      </p:sp>
+      <p:sp>
+        <p:nvSpPr>
+          <p:cNvPr id="68" name="PlaceHolder 3"/>
           <p:cNvSpPr>
             <a:spLocks noGrp="1"/>
           </p:cNvSpPr>
@@ -1679,22 +1574,19 @@
         <p:spPr>
           <a:xfrm>
             <a:off x="360000" y="4424400"/>
-            <a:ext cx="9180000" cy="2232000"/>
-          </a:xfrm>
-          <a:prstGeom prst="rect">
-            <a:avLst/>
-          </a:prstGeom>
-        </p:spPr>
-        <p:txBody>
-          <a:bodyPr lIns="0" rIns="0" tIns="0" bIns="0">
-            <a:normAutofit/>
-          </a:bodyPr>
-          <a:p>
-            <a:endParaRPr b="1" lang="en-US" sz="2600" spc="-1" strike="noStrike">
-              <a:solidFill>
-                <a:srgbClr val="1c1c1c"/>
-              </a:solidFill>
-              <a:latin typeface="Noto Sans SemiBold"/>
+            <a:ext cx="9179640" cy="2232000"/>
+          </a:xfrm>
+          <a:prstGeom prst="rect">
+            <a:avLst/>
+          </a:prstGeom>
+        </p:spPr>
+        <p:txBody>
+          <a:bodyPr lIns="0" rIns="0" tIns="0" bIns="0">
+            <a:normAutofit/>
+          </a:bodyPr>
+          <a:p>
+            <a:endParaRPr b="0" lang="en-US" sz="3200" spc="-1" strike="noStrike">
+              <a:latin typeface="Arial"/>
             </a:endParaRPr>
           </a:p>
         </p:txBody>
@@ -1723,7 +1615,7 @@
       </p:grpSpPr>
       <p:sp>
         <p:nvSpPr>
-          <p:cNvPr id="75" name="PlaceHolder 1"/>
+          <p:cNvPr id="69" name="PlaceHolder 1"/>
           <p:cNvSpPr>
             <a:spLocks noGrp="1"/>
           </p:cNvSpPr>
@@ -1734,29 +1626,27 @@
         <p:spPr>
           <a:xfrm>
             <a:off x="360000" y="360000"/>
-            <a:ext cx="9360000" cy="900000"/>
-          </a:xfrm>
-          <a:prstGeom prst="rect">
-            <a:avLst/>
-          </a:prstGeom>
-        </p:spPr>
-        <p:txBody>
-          <a:bodyPr lIns="0" rIns="0" tIns="0" bIns="0" anchor="b">
+            <a:ext cx="9359640" cy="899640"/>
+          </a:xfrm>
+          <a:prstGeom prst="rect">
+            <a:avLst/>
+          </a:prstGeom>
+        </p:spPr>
+        <p:txBody>
+          <a:bodyPr lIns="0" rIns="0" tIns="0" bIns="0" anchor="ctr">
             <a:noAutofit/>
           </a:bodyPr>
           <a:p>
-            <a:endParaRPr b="1" lang="en-US" sz="3200" spc="-1" strike="noStrike">
-              <a:solidFill>
-                <a:srgbClr val="ffffff"/>
-              </a:solidFill>
-              <a:latin typeface="Noto Sans Black"/>
-            </a:endParaRPr>
-          </a:p>
-        </p:txBody>
-      </p:sp>
-      <p:sp>
-        <p:nvSpPr>
-          <p:cNvPr id="76" name="PlaceHolder 2"/>
+            <a:pPr algn="ctr"/>
+            <a:endParaRPr b="0" lang="en-US" sz="4400" spc="-1" strike="noStrike">
+              <a:latin typeface="Arial"/>
+            </a:endParaRPr>
+          </a:p>
+        </p:txBody>
+      </p:sp>
+      <p:sp>
+        <p:nvSpPr>
+          <p:cNvPr id="70" name="PlaceHolder 2"/>
           <p:cNvSpPr>
             <a:spLocks noGrp="1"/>
           </p:cNvSpPr>
@@ -1778,18 +1668,15 @@
             <a:normAutofit/>
           </a:bodyPr>
           <a:p>
-            <a:endParaRPr b="1" lang="en-US" sz="2600" spc="-1" strike="noStrike">
-              <a:solidFill>
-                <a:srgbClr val="1c1c1c"/>
-              </a:solidFill>
-              <a:latin typeface="Noto Sans SemiBold"/>
-            </a:endParaRPr>
-          </a:p>
-        </p:txBody>
-      </p:sp>
-      <p:sp>
-        <p:nvSpPr>
-          <p:cNvPr id="77" name="PlaceHolder 3"/>
+            <a:endParaRPr b="0" lang="en-US" sz="3200" spc="-1" strike="noStrike">
+              <a:latin typeface="Arial"/>
+            </a:endParaRPr>
+          </a:p>
+        </p:txBody>
+      </p:sp>
+      <p:sp>
+        <p:nvSpPr>
+          <p:cNvPr id="71" name="PlaceHolder 3"/>
           <p:cNvSpPr>
             <a:spLocks noGrp="1"/>
           </p:cNvSpPr>
@@ -1811,18 +1698,15 @@
             <a:normAutofit/>
           </a:bodyPr>
           <a:p>
-            <a:endParaRPr b="1" lang="en-US" sz="2600" spc="-1" strike="noStrike">
-              <a:solidFill>
-                <a:srgbClr val="1c1c1c"/>
-              </a:solidFill>
-              <a:latin typeface="Noto Sans SemiBold"/>
-            </a:endParaRPr>
-          </a:p>
-        </p:txBody>
-      </p:sp>
-      <p:sp>
-        <p:nvSpPr>
-          <p:cNvPr id="78" name="PlaceHolder 4"/>
+            <a:endParaRPr b="0" lang="en-US" sz="3200" spc="-1" strike="noStrike">
+              <a:latin typeface="Arial"/>
+            </a:endParaRPr>
+          </a:p>
+        </p:txBody>
+      </p:sp>
+      <p:sp>
+        <p:nvSpPr>
+          <p:cNvPr id="72" name="PlaceHolder 4"/>
           <p:cNvSpPr>
             <a:spLocks noGrp="1"/>
           </p:cNvSpPr>
@@ -1844,18 +1728,15 @@
             <a:normAutofit/>
           </a:bodyPr>
           <a:p>
-            <a:endParaRPr b="1" lang="en-US" sz="2600" spc="-1" strike="noStrike">
-              <a:solidFill>
-                <a:srgbClr val="1c1c1c"/>
-              </a:solidFill>
-              <a:latin typeface="Noto Sans SemiBold"/>
-            </a:endParaRPr>
-          </a:p>
-        </p:txBody>
-      </p:sp>
-      <p:sp>
-        <p:nvSpPr>
-          <p:cNvPr id="79" name="PlaceHolder 5"/>
+            <a:endParaRPr b="0" lang="en-US" sz="3200" spc="-1" strike="noStrike">
+              <a:latin typeface="Arial"/>
+            </a:endParaRPr>
+          </a:p>
+        </p:txBody>
+      </p:sp>
+      <p:sp>
+        <p:nvSpPr>
+          <p:cNvPr id="73" name="PlaceHolder 5"/>
           <p:cNvSpPr>
             <a:spLocks noGrp="1"/>
           </p:cNvSpPr>
@@ -1877,11 +1758,8 @@
             <a:normAutofit/>
           </a:bodyPr>
           <a:p>
-            <a:endParaRPr b="1" lang="en-US" sz="2600" spc="-1" strike="noStrike">
-              <a:solidFill>
-                <a:srgbClr val="1c1c1c"/>
-              </a:solidFill>
-              <a:latin typeface="Noto Sans SemiBold"/>
+            <a:endParaRPr b="0" lang="en-US" sz="3200" spc="-1" strike="noStrike">
+              <a:latin typeface="Arial"/>
             </a:endParaRPr>
           </a:p>
         </p:txBody>
@@ -1910,7 +1788,7 @@
       </p:grpSpPr>
       <p:sp>
         <p:nvSpPr>
-          <p:cNvPr id="80" name="PlaceHolder 1"/>
+          <p:cNvPr id="74" name="PlaceHolder 1"/>
           <p:cNvSpPr>
             <a:spLocks noGrp="1"/>
           </p:cNvSpPr>
@@ -1921,29 +1799,27 @@
         <p:spPr>
           <a:xfrm>
             <a:off x="360000" y="360000"/>
-            <a:ext cx="9360000" cy="900000"/>
-          </a:xfrm>
-          <a:prstGeom prst="rect">
-            <a:avLst/>
-          </a:prstGeom>
-        </p:spPr>
-        <p:txBody>
-          <a:bodyPr lIns="0" rIns="0" tIns="0" bIns="0" anchor="b">
+            <a:ext cx="9359640" cy="899640"/>
+          </a:xfrm>
+          <a:prstGeom prst="rect">
+            <a:avLst/>
+          </a:prstGeom>
+        </p:spPr>
+        <p:txBody>
+          <a:bodyPr lIns="0" rIns="0" tIns="0" bIns="0" anchor="ctr">
             <a:noAutofit/>
           </a:bodyPr>
           <a:p>
-            <a:endParaRPr b="1" lang="en-US" sz="3200" spc="-1" strike="noStrike">
-              <a:solidFill>
-                <a:srgbClr val="ffffff"/>
-              </a:solidFill>
-              <a:latin typeface="Noto Sans Black"/>
-            </a:endParaRPr>
-          </a:p>
-        </p:txBody>
-      </p:sp>
-      <p:sp>
-        <p:nvSpPr>
-          <p:cNvPr id="81" name="PlaceHolder 2"/>
+            <a:pPr algn="ctr"/>
+            <a:endParaRPr b="0" lang="en-US" sz="4400" spc="-1" strike="noStrike">
+              <a:latin typeface="Arial"/>
+            </a:endParaRPr>
+          </a:p>
+        </p:txBody>
+      </p:sp>
+      <p:sp>
+        <p:nvSpPr>
+          <p:cNvPr id="75" name="PlaceHolder 2"/>
           <p:cNvSpPr>
             <a:spLocks noGrp="1"/>
           </p:cNvSpPr>
@@ -1965,18 +1841,15 @@
             <a:normAutofit/>
           </a:bodyPr>
           <a:p>
-            <a:endParaRPr b="1" lang="en-US" sz="2600" spc="-1" strike="noStrike">
-              <a:solidFill>
-                <a:srgbClr val="1c1c1c"/>
-              </a:solidFill>
-              <a:latin typeface="Noto Sans SemiBold"/>
-            </a:endParaRPr>
-          </a:p>
-        </p:txBody>
-      </p:sp>
-      <p:sp>
-        <p:nvSpPr>
-          <p:cNvPr id="82" name="PlaceHolder 3"/>
+            <a:endParaRPr b="0" lang="en-US" sz="3200" spc="-1" strike="noStrike">
+              <a:latin typeface="Arial"/>
+            </a:endParaRPr>
+          </a:p>
+        </p:txBody>
+      </p:sp>
+      <p:sp>
+        <p:nvSpPr>
+          <p:cNvPr id="76" name="PlaceHolder 3"/>
           <p:cNvSpPr>
             <a:spLocks noGrp="1"/>
           </p:cNvSpPr>
@@ -1998,18 +1871,15 @@
             <a:normAutofit/>
           </a:bodyPr>
           <a:p>
-            <a:endParaRPr b="1" lang="en-US" sz="2600" spc="-1" strike="noStrike">
-              <a:solidFill>
-                <a:srgbClr val="1c1c1c"/>
-              </a:solidFill>
-              <a:latin typeface="Noto Sans SemiBold"/>
-            </a:endParaRPr>
-          </a:p>
-        </p:txBody>
-      </p:sp>
-      <p:sp>
-        <p:nvSpPr>
-          <p:cNvPr id="83" name="PlaceHolder 4"/>
+            <a:endParaRPr b="0" lang="en-US" sz="3200" spc="-1" strike="noStrike">
+              <a:latin typeface="Arial"/>
+            </a:endParaRPr>
+          </a:p>
+        </p:txBody>
+      </p:sp>
+      <p:sp>
+        <p:nvSpPr>
+          <p:cNvPr id="77" name="PlaceHolder 4"/>
           <p:cNvSpPr>
             <a:spLocks noGrp="1"/>
           </p:cNvSpPr>
@@ -2031,18 +1901,15 @@
             <a:normAutofit/>
           </a:bodyPr>
           <a:p>
-            <a:endParaRPr b="1" lang="en-US" sz="2600" spc="-1" strike="noStrike">
-              <a:solidFill>
-                <a:srgbClr val="1c1c1c"/>
-              </a:solidFill>
-              <a:latin typeface="Noto Sans SemiBold"/>
-            </a:endParaRPr>
-          </a:p>
-        </p:txBody>
-      </p:sp>
-      <p:sp>
-        <p:nvSpPr>
-          <p:cNvPr id="84" name="PlaceHolder 5"/>
+            <a:endParaRPr b="0" lang="en-US" sz="3200" spc="-1" strike="noStrike">
+              <a:latin typeface="Arial"/>
+            </a:endParaRPr>
+          </a:p>
+        </p:txBody>
+      </p:sp>
+      <p:sp>
+        <p:nvSpPr>
+          <p:cNvPr id="78" name="PlaceHolder 5"/>
           <p:cNvSpPr>
             <a:spLocks noGrp="1"/>
           </p:cNvSpPr>
@@ -2064,18 +1931,15 @@
             <a:normAutofit/>
           </a:bodyPr>
           <a:p>
-            <a:endParaRPr b="1" lang="en-US" sz="2600" spc="-1" strike="noStrike">
-              <a:solidFill>
-                <a:srgbClr val="1c1c1c"/>
-              </a:solidFill>
-              <a:latin typeface="Noto Sans SemiBold"/>
-            </a:endParaRPr>
-          </a:p>
-        </p:txBody>
-      </p:sp>
-      <p:sp>
-        <p:nvSpPr>
-          <p:cNvPr id="85" name="PlaceHolder 6"/>
+            <a:endParaRPr b="0" lang="en-US" sz="3200" spc="-1" strike="noStrike">
+              <a:latin typeface="Arial"/>
+            </a:endParaRPr>
+          </a:p>
+        </p:txBody>
+      </p:sp>
+      <p:sp>
+        <p:nvSpPr>
+          <p:cNvPr id="79" name="PlaceHolder 6"/>
           <p:cNvSpPr>
             <a:spLocks noGrp="1"/>
           </p:cNvSpPr>
@@ -2097,18 +1961,15 @@
             <a:normAutofit/>
           </a:bodyPr>
           <a:p>
-            <a:endParaRPr b="1" lang="en-US" sz="2600" spc="-1" strike="noStrike">
-              <a:solidFill>
-                <a:srgbClr val="1c1c1c"/>
-              </a:solidFill>
-              <a:latin typeface="Noto Sans SemiBold"/>
-            </a:endParaRPr>
-          </a:p>
-        </p:txBody>
-      </p:sp>
-      <p:sp>
-        <p:nvSpPr>
-          <p:cNvPr id="86" name="PlaceHolder 7"/>
+            <a:endParaRPr b="0" lang="en-US" sz="3200" spc="-1" strike="noStrike">
+              <a:latin typeface="Arial"/>
+            </a:endParaRPr>
+          </a:p>
+        </p:txBody>
+      </p:sp>
+      <p:sp>
+        <p:nvSpPr>
+          <p:cNvPr id="80" name="PlaceHolder 7"/>
           <p:cNvSpPr>
             <a:spLocks noGrp="1"/>
           </p:cNvSpPr>
@@ -2130,11 +1991,8 @@
             <a:normAutofit/>
           </a:bodyPr>
           <a:p>
-            <a:endParaRPr b="1" lang="en-US" sz="2600" spc="-1" strike="noStrike">
-              <a:solidFill>
-                <a:srgbClr val="1c1c1c"/>
-              </a:solidFill>
-              <a:latin typeface="Noto Sans SemiBold"/>
+            <a:endParaRPr b="0" lang="en-US" sz="3200" spc="-1" strike="noStrike">
+              <a:latin typeface="Arial"/>
             </a:endParaRPr>
           </a:p>
         </p:txBody>
@@ -2163,7 +2021,7 @@
       </p:grpSpPr>
       <p:sp>
         <p:nvSpPr>
-          <p:cNvPr id="11" name="PlaceHolder 1"/>
+          <p:cNvPr id="5" name="PlaceHolder 1"/>
           <p:cNvSpPr>
             <a:spLocks noGrp="1"/>
           </p:cNvSpPr>
@@ -2174,29 +2032,27 @@
         <p:spPr>
           <a:xfrm>
             <a:off x="360000" y="360000"/>
-            <a:ext cx="9360000" cy="900000"/>
-          </a:xfrm>
-          <a:prstGeom prst="rect">
-            <a:avLst/>
-          </a:prstGeom>
-        </p:spPr>
-        <p:txBody>
-          <a:bodyPr lIns="0" rIns="0" tIns="0" bIns="0" anchor="b">
+            <a:ext cx="9359640" cy="899640"/>
+          </a:xfrm>
+          <a:prstGeom prst="rect">
+            <a:avLst/>
+          </a:prstGeom>
+        </p:spPr>
+        <p:txBody>
+          <a:bodyPr lIns="0" rIns="0" tIns="0" bIns="0" anchor="ctr">
             <a:noAutofit/>
           </a:bodyPr>
           <a:p>
-            <a:endParaRPr b="1" lang="en-US" sz="3200" spc="-1" strike="noStrike">
-              <a:solidFill>
-                <a:srgbClr val="ffffff"/>
-              </a:solidFill>
-              <a:latin typeface="Noto Sans Black"/>
-            </a:endParaRPr>
-          </a:p>
-        </p:txBody>
-      </p:sp>
-      <p:sp>
-        <p:nvSpPr>
-          <p:cNvPr id="12" name="PlaceHolder 2"/>
+            <a:pPr algn="ctr"/>
+            <a:endParaRPr b="0" lang="en-US" sz="4400" spc="-1" strike="noStrike">
+              <a:latin typeface="Arial"/>
+            </a:endParaRPr>
+          </a:p>
+        </p:txBody>
+      </p:sp>
+      <p:sp>
+        <p:nvSpPr>
+          <p:cNvPr id="6" name="PlaceHolder 2"/>
           <p:cNvSpPr>
             <a:spLocks noGrp="1"/>
           </p:cNvSpPr>
@@ -2207,22 +2063,19 @@
         <p:spPr>
           <a:xfrm>
             <a:off x="360000" y="1980000"/>
-            <a:ext cx="9180000" cy="4680000"/>
-          </a:xfrm>
-          <a:prstGeom prst="rect">
-            <a:avLst/>
-          </a:prstGeom>
-        </p:spPr>
-        <p:txBody>
-          <a:bodyPr lIns="0" rIns="0" tIns="0" bIns="0">
-            <a:normAutofit/>
-          </a:bodyPr>
-          <a:p>
-            <a:endParaRPr b="1" lang="en-US" sz="2600" spc="-1" strike="noStrike">
-              <a:solidFill>
-                <a:srgbClr val="1c1c1c"/>
-              </a:solidFill>
-              <a:latin typeface="Noto Sans SemiBold"/>
+            <a:ext cx="9179640" cy="4679640"/>
+          </a:xfrm>
+          <a:prstGeom prst="rect">
+            <a:avLst/>
+          </a:prstGeom>
+        </p:spPr>
+        <p:txBody>
+          <a:bodyPr lIns="0" rIns="0" tIns="0" bIns="0">
+            <a:normAutofit/>
+          </a:bodyPr>
+          <a:p>
+            <a:endParaRPr b="0" lang="en-US" sz="3200" spc="-1" strike="noStrike">
+              <a:latin typeface="Arial"/>
             </a:endParaRPr>
           </a:p>
         </p:txBody>
@@ -2251,7 +2104,7 @@
       </p:grpSpPr>
       <p:sp>
         <p:nvSpPr>
-          <p:cNvPr id="13" name="PlaceHolder 1"/>
+          <p:cNvPr id="7" name="PlaceHolder 1"/>
           <p:cNvSpPr>
             <a:spLocks noGrp="1"/>
           </p:cNvSpPr>
@@ -2262,29 +2115,27 @@
         <p:spPr>
           <a:xfrm>
             <a:off x="360000" y="360000"/>
-            <a:ext cx="9360000" cy="900000"/>
-          </a:xfrm>
-          <a:prstGeom prst="rect">
-            <a:avLst/>
-          </a:prstGeom>
-        </p:spPr>
-        <p:txBody>
-          <a:bodyPr lIns="0" rIns="0" tIns="0" bIns="0" anchor="b">
+            <a:ext cx="9359640" cy="899640"/>
+          </a:xfrm>
+          <a:prstGeom prst="rect">
+            <a:avLst/>
+          </a:prstGeom>
+        </p:spPr>
+        <p:txBody>
+          <a:bodyPr lIns="0" rIns="0" tIns="0" bIns="0" anchor="ctr">
             <a:noAutofit/>
           </a:bodyPr>
           <a:p>
-            <a:endParaRPr b="1" lang="en-US" sz="3200" spc="-1" strike="noStrike">
-              <a:solidFill>
-                <a:srgbClr val="ffffff"/>
-              </a:solidFill>
-              <a:latin typeface="Noto Sans Black"/>
-            </a:endParaRPr>
-          </a:p>
-        </p:txBody>
-      </p:sp>
-      <p:sp>
-        <p:nvSpPr>
-          <p:cNvPr id="14" name="PlaceHolder 2"/>
+            <a:pPr algn="ctr"/>
+            <a:endParaRPr b="0" lang="en-US" sz="4400" spc="-1" strike="noStrike">
+              <a:latin typeface="Arial"/>
+            </a:endParaRPr>
+          </a:p>
+        </p:txBody>
+      </p:sp>
+      <p:sp>
+        <p:nvSpPr>
+          <p:cNvPr id="8" name="PlaceHolder 2"/>
           <p:cNvSpPr>
             <a:spLocks noGrp="1"/>
           </p:cNvSpPr>
@@ -2295,29 +2146,26 @@
         <p:spPr>
           <a:xfrm>
             <a:off x="360000" y="1980000"/>
-            <a:ext cx="4479480" cy="4680000"/>
-          </a:xfrm>
-          <a:prstGeom prst="rect">
-            <a:avLst/>
-          </a:prstGeom>
-        </p:spPr>
-        <p:txBody>
-          <a:bodyPr lIns="0" rIns="0" tIns="0" bIns="0">
-            <a:normAutofit/>
-          </a:bodyPr>
-          <a:p>
-            <a:endParaRPr b="1" lang="en-US" sz="2600" spc="-1" strike="noStrike">
-              <a:solidFill>
-                <a:srgbClr val="1c1c1c"/>
-              </a:solidFill>
-              <a:latin typeface="Noto Sans SemiBold"/>
-            </a:endParaRPr>
-          </a:p>
-        </p:txBody>
-      </p:sp>
-      <p:sp>
-        <p:nvSpPr>
-          <p:cNvPr id="15" name="PlaceHolder 3"/>
+            <a:ext cx="4479480" cy="4679640"/>
+          </a:xfrm>
+          <a:prstGeom prst="rect">
+            <a:avLst/>
+          </a:prstGeom>
+        </p:spPr>
+        <p:txBody>
+          <a:bodyPr lIns="0" rIns="0" tIns="0" bIns="0">
+            <a:normAutofit/>
+          </a:bodyPr>
+          <a:p>
+            <a:endParaRPr b="0" lang="en-US" sz="3200" spc="-1" strike="noStrike">
+              <a:latin typeface="Arial"/>
+            </a:endParaRPr>
+          </a:p>
+        </p:txBody>
+      </p:sp>
+      <p:sp>
+        <p:nvSpPr>
+          <p:cNvPr id="9" name="PlaceHolder 3"/>
           <p:cNvSpPr>
             <a:spLocks noGrp="1"/>
           </p:cNvSpPr>
@@ -2328,22 +2176,19 @@
         <p:spPr>
           <a:xfrm>
             <a:off x="5063760" y="1980000"/>
-            <a:ext cx="4479480" cy="4680000"/>
-          </a:xfrm>
-          <a:prstGeom prst="rect">
-            <a:avLst/>
-          </a:prstGeom>
-        </p:spPr>
-        <p:txBody>
-          <a:bodyPr lIns="0" rIns="0" tIns="0" bIns="0">
-            <a:normAutofit/>
-          </a:bodyPr>
-          <a:p>
-            <a:endParaRPr b="1" lang="en-US" sz="2600" spc="-1" strike="noStrike">
-              <a:solidFill>
-                <a:srgbClr val="1c1c1c"/>
-              </a:solidFill>
-              <a:latin typeface="Noto Sans SemiBold"/>
+            <a:ext cx="4479480" cy="4679640"/>
+          </a:xfrm>
+          <a:prstGeom prst="rect">
+            <a:avLst/>
+          </a:prstGeom>
+        </p:spPr>
+        <p:txBody>
+          <a:bodyPr lIns="0" rIns="0" tIns="0" bIns="0">
+            <a:normAutofit/>
+          </a:bodyPr>
+          <a:p>
+            <a:endParaRPr b="0" lang="en-US" sz="3200" spc="-1" strike="noStrike">
+              <a:latin typeface="Arial"/>
             </a:endParaRPr>
           </a:p>
         </p:txBody>
@@ -2372,7 +2217,7 @@
       </p:grpSpPr>
       <p:sp>
         <p:nvSpPr>
-          <p:cNvPr id="16" name="PlaceHolder 1"/>
+          <p:cNvPr id="10" name="PlaceHolder 1"/>
           <p:cNvSpPr>
             <a:spLocks noGrp="1"/>
           </p:cNvSpPr>
@@ -2383,22 +2228,20 @@
         <p:spPr>
           <a:xfrm>
             <a:off x="360000" y="360000"/>
-            <a:ext cx="9360000" cy="900000"/>
-          </a:xfrm>
-          <a:prstGeom prst="rect">
-            <a:avLst/>
-          </a:prstGeom>
-        </p:spPr>
-        <p:txBody>
-          <a:bodyPr lIns="0" rIns="0" tIns="0" bIns="0" anchor="b">
+            <a:ext cx="9359640" cy="899640"/>
+          </a:xfrm>
+          <a:prstGeom prst="rect">
+            <a:avLst/>
+          </a:prstGeom>
+        </p:spPr>
+        <p:txBody>
+          <a:bodyPr lIns="0" rIns="0" tIns="0" bIns="0" anchor="ctr">
             <a:noAutofit/>
           </a:bodyPr>
           <a:p>
-            <a:endParaRPr b="1" lang="en-US" sz="3200" spc="-1" strike="noStrike">
-              <a:solidFill>
-                <a:srgbClr val="ffffff"/>
-              </a:solidFill>
-              <a:latin typeface="Noto Sans Black"/>
+            <a:pPr algn="ctr"/>
+            <a:endParaRPr b="0" lang="en-US" sz="4400" spc="-1" strike="noStrike">
+              <a:latin typeface="Arial"/>
             </a:endParaRPr>
           </a:p>
         </p:txBody>
@@ -2427,7 +2270,7 @@
       </p:grpSpPr>
       <p:sp>
         <p:nvSpPr>
-          <p:cNvPr id="17" name="PlaceHolder 1"/>
+          <p:cNvPr id="11" name="PlaceHolder 1"/>
           <p:cNvSpPr>
             <a:spLocks noGrp="1"/>
           </p:cNvSpPr>
@@ -2438,22 +2281,20 @@
         <p:spPr>
           <a:xfrm>
             <a:off x="360000" y="360000"/>
-            <a:ext cx="9360000" cy="4173120"/>
-          </a:xfrm>
-          <a:prstGeom prst="rect">
-            <a:avLst/>
-          </a:prstGeom>
-        </p:spPr>
-        <p:txBody>
-          <a:bodyPr lIns="0" rIns="0" tIns="0" bIns="0">
+            <a:ext cx="9359640" cy="4171680"/>
+          </a:xfrm>
+          <a:prstGeom prst="rect">
+            <a:avLst/>
+          </a:prstGeom>
+        </p:spPr>
+        <p:txBody>
+          <a:bodyPr lIns="0" rIns="0" tIns="0" bIns="0" anchor="ctr">
             <a:noAutofit/>
           </a:bodyPr>
           <a:p>
-            <a:endParaRPr b="0" lang="en-US" sz="2600" spc="-1" strike="noStrike">
-              <a:solidFill>
-                <a:srgbClr val="1c1c1c"/>
-              </a:solidFill>
-              <a:latin typeface="Noto Sans Light"/>
+            <a:pPr algn="ctr"/>
+            <a:endParaRPr b="0" lang="en-US" sz="3200" spc="-1" strike="noStrike">
+              <a:latin typeface="Arial"/>
             </a:endParaRPr>
           </a:p>
         </p:txBody>
@@ -2482,7 +2323,7 @@
       </p:grpSpPr>
       <p:sp>
         <p:nvSpPr>
-          <p:cNvPr id="18" name="PlaceHolder 1"/>
+          <p:cNvPr id="12" name="PlaceHolder 1"/>
           <p:cNvSpPr>
             <a:spLocks noGrp="1"/>
           </p:cNvSpPr>
@@ -2493,29 +2334,27 @@
         <p:spPr>
           <a:xfrm>
             <a:off x="360000" y="360000"/>
-            <a:ext cx="9360000" cy="900000"/>
-          </a:xfrm>
-          <a:prstGeom prst="rect">
-            <a:avLst/>
-          </a:prstGeom>
-        </p:spPr>
-        <p:txBody>
-          <a:bodyPr lIns="0" rIns="0" tIns="0" bIns="0" anchor="b">
+            <a:ext cx="9359640" cy="899640"/>
+          </a:xfrm>
+          <a:prstGeom prst="rect">
+            <a:avLst/>
+          </a:prstGeom>
+        </p:spPr>
+        <p:txBody>
+          <a:bodyPr lIns="0" rIns="0" tIns="0" bIns="0" anchor="ctr">
             <a:noAutofit/>
           </a:bodyPr>
           <a:p>
-            <a:endParaRPr b="1" lang="en-US" sz="3200" spc="-1" strike="noStrike">
-              <a:solidFill>
-                <a:srgbClr val="ffffff"/>
-              </a:solidFill>
-              <a:latin typeface="Noto Sans Black"/>
-            </a:endParaRPr>
-          </a:p>
-        </p:txBody>
-      </p:sp>
-      <p:sp>
-        <p:nvSpPr>
-          <p:cNvPr id="19" name="PlaceHolder 2"/>
+            <a:pPr algn="ctr"/>
+            <a:endParaRPr b="0" lang="en-US" sz="4400" spc="-1" strike="noStrike">
+              <a:latin typeface="Arial"/>
+            </a:endParaRPr>
+          </a:p>
+        </p:txBody>
+      </p:sp>
+      <p:sp>
+        <p:nvSpPr>
+          <p:cNvPr id="13" name="PlaceHolder 2"/>
           <p:cNvSpPr>
             <a:spLocks noGrp="1"/>
           </p:cNvSpPr>
@@ -2537,18 +2376,15 @@
             <a:normAutofit/>
           </a:bodyPr>
           <a:p>
-            <a:endParaRPr b="1" lang="en-US" sz="2600" spc="-1" strike="noStrike">
-              <a:solidFill>
-                <a:srgbClr val="1c1c1c"/>
-              </a:solidFill>
-              <a:latin typeface="Noto Sans SemiBold"/>
-            </a:endParaRPr>
-          </a:p>
-        </p:txBody>
-      </p:sp>
-      <p:sp>
-        <p:nvSpPr>
-          <p:cNvPr id="20" name="PlaceHolder 3"/>
+            <a:endParaRPr b="0" lang="en-US" sz="3200" spc="-1" strike="noStrike">
+              <a:latin typeface="Arial"/>
+            </a:endParaRPr>
+          </a:p>
+        </p:txBody>
+      </p:sp>
+      <p:sp>
+        <p:nvSpPr>
+          <p:cNvPr id="14" name="PlaceHolder 3"/>
           <p:cNvSpPr>
             <a:spLocks noGrp="1"/>
           </p:cNvSpPr>
@@ -2559,29 +2395,26 @@
         <p:spPr>
           <a:xfrm>
             <a:off x="5063760" y="1980000"/>
-            <a:ext cx="4479480" cy="4680000"/>
-          </a:xfrm>
-          <a:prstGeom prst="rect">
-            <a:avLst/>
-          </a:prstGeom>
-        </p:spPr>
-        <p:txBody>
-          <a:bodyPr lIns="0" rIns="0" tIns="0" bIns="0">
-            <a:normAutofit/>
-          </a:bodyPr>
-          <a:p>
-            <a:endParaRPr b="1" lang="en-US" sz="2600" spc="-1" strike="noStrike">
-              <a:solidFill>
-                <a:srgbClr val="1c1c1c"/>
-              </a:solidFill>
-              <a:latin typeface="Noto Sans SemiBold"/>
-            </a:endParaRPr>
-          </a:p>
-        </p:txBody>
-      </p:sp>
-      <p:sp>
-        <p:nvSpPr>
-          <p:cNvPr id="21" name="PlaceHolder 4"/>
+            <a:ext cx="4479480" cy="4679640"/>
+          </a:xfrm>
+          <a:prstGeom prst="rect">
+            <a:avLst/>
+          </a:prstGeom>
+        </p:spPr>
+        <p:txBody>
+          <a:bodyPr lIns="0" rIns="0" tIns="0" bIns="0">
+            <a:normAutofit/>
+          </a:bodyPr>
+          <a:p>
+            <a:endParaRPr b="0" lang="en-US" sz="3200" spc="-1" strike="noStrike">
+              <a:latin typeface="Arial"/>
+            </a:endParaRPr>
+          </a:p>
+        </p:txBody>
+      </p:sp>
+      <p:sp>
+        <p:nvSpPr>
+          <p:cNvPr id="15" name="PlaceHolder 4"/>
           <p:cNvSpPr>
             <a:spLocks noGrp="1"/>
           </p:cNvSpPr>
@@ -2603,11 +2436,8 @@
             <a:normAutofit/>
           </a:bodyPr>
           <a:p>
-            <a:endParaRPr b="1" lang="en-US" sz="2600" spc="-1" strike="noStrike">
-              <a:solidFill>
-                <a:srgbClr val="1c1c1c"/>
-              </a:solidFill>
-              <a:latin typeface="Noto Sans SemiBold"/>
+            <a:endParaRPr b="0" lang="en-US" sz="3200" spc="-1" strike="noStrike">
+              <a:latin typeface="Arial"/>
             </a:endParaRPr>
           </a:p>
         </p:txBody>
@@ -2636,7 +2466,7 @@
       </p:grpSpPr>
       <p:sp>
         <p:nvSpPr>
-          <p:cNvPr id="22" name="PlaceHolder 1"/>
+          <p:cNvPr id="16" name="PlaceHolder 1"/>
           <p:cNvSpPr>
             <a:spLocks noGrp="1"/>
           </p:cNvSpPr>
@@ -2647,29 +2477,27 @@
         <p:spPr>
           <a:xfrm>
             <a:off x="360000" y="360000"/>
-            <a:ext cx="9360000" cy="900000"/>
-          </a:xfrm>
-          <a:prstGeom prst="rect">
-            <a:avLst/>
-          </a:prstGeom>
-        </p:spPr>
-        <p:txBody>
-          <a:bodyPr lIns="0" rIns="0" tIns="0" bIns="0" anchor="b">
+            <a:ext cx="9359640" cy="899640"/>
+          </a:xfrm>
+          <a:prstGeom prst="rect">
+            <a:avLst/>
+          </a:prstGeom>
+        </p:spPr>
+        <p:txBody>
+          <a:bodyPr lIns="0" rIns="0" tIns="0" bIns="0" anchor="ctr">
             <a:noAutofit/>
           </a:bodyPr>
           <a:p>
-            <a:endParaRPr b="1" lang="en-US" sz="3200" spc="-1" strike="noStrike">
-              <a:solidFill>
-                <a:srgbClr val="ffffff"/>
-              </a:solidFill>
-              <a:latin typeface="Noto Sans Black"/>
-            </a:endParaRPr>
-          </a:p>
-        </p:txBody>
-      </p:sp>
-      <p:sp>
-        <p:nvSpPr>
-          <p:cNvPr id="23" name="PlaceHolder 2"/>
+            <a:pPr algn="ctr"/>
+            <a:endParaRPr b="0" lang="en-US" sz="4400" spc="-1" strike="noStrike">
+              <a:latin typeface="Arial"/>
+            </a:endParaRPr>
+          </a:p>
+        </p:txBody>
+      </p:sp>
+      <p:sp>
+        <p:nvSpPr>
+          <p:cNvPr id="17" name="PlaceHolder 2"/>
           <p:cNvSpPr>
             <a:spLocks noGrp="1"/>
           </p:cNvSpPr>
@@ -2680,29 +2508,26 @@
         <p:spPr>
           <a:xfrm>
             <a:off x="360000" y="1980000"/>
-            <a:ext cx="4479480" cy="4680000"/>
-          </a:xfrm>
-          <a:prstGeom prst="rect">
-            <a:avLst/>
-          </a:prstGeom>
-        </p:spPr>
-        <p:txBody>
-          <a:bodyPr lIns="0" rIns="0" tIns="0" bIns="0">
-            <a:normAutofit/>
-          </a:bodyPr>
-          <a:p>
-            <a:endParaRPr b="1" lang="en-US" sz="2600" spc="-1" strike="noStrike">
-              <a:solidFill>
-                <a:srgbClr val="1c1c1c"/>
-              </a:solidFill>
-              <a:latin typeface="Noto Sans SemiBold"/>
-            </a:endParaRPr>
-          </a:p>
-        </p:txBody>
-      </p:sp>
-      <p:sp>
-        <p:nvSpPr>
-          <p:cNvPr id="24" name="PlaceHolder 3"/>
+            <a:ext cx="4479480" cy="4679640"/>
+          </a:xfrm>
+          <a:prstGeom prst="rect">
+            <a:avLst/>
+          </a:prstGeom>
+        </p:spPr>
+        <p:txBody>
+          <a:bodyPr lIns="0" rIns="0" tIns="0" bIns="0">
+            <a:normAutofit/>
+          </a:bodyPr>
+          <a:p>
+            <a:endParaRPr b="0" lang="en-US" sz="3200" spc="-1" strike="noStrike">
+              <a:latin typeface="Arial"/>
+            </a:endParaRPr>
+          </a:p>
+        </p:txBody>
+      </p:sp>
+      <p:sp>
+        <p:nvSpPr>
+          <p:cNvPr id="18" name="PlaceHolder 3"/>
           <p:cNvSpPr>
             <a:spLocks noGrp="1"/>
           </p:cNvSpPr>
@@ -2724,18 +2549,15 @@
             <a:normAutofit/>
           </a:bodyPr>
           <a:p>
-            <a:endParaRPr b="1" lang="en-US" sz="2600" spc="-1" strike="noStrike">
-              <a:solidFill>
-                <a:srgbClr val="1c1c1c"/>
-              </a:solidFill>
-              <a:latin typeface="Noto Sans SemiBold"/>
-            </a:endParaRPr>
-          </a:p>
-        </p:txBody>
-      </p:sp>
-      <p:sp>
-        <p:nvSpPr>
-          <p:cNvPr id="25" name="PlaceHolder 4"/>
+            <a:endParaRPr b="0" lang="en-US" sz="3200" spc="-1" strike="noStrike">
+              <a:latin typeface="Arial"/>
+            </a:endParaRPr>
+          </a:p>
+        </p:txBody>
+      </p:sp>
+      <p:sp>
+        <p:nvSpPr>
+          <p:cNvPr id="19" name="PlaceHolder 4"/>
           <p:cNvSpPr>
             <a:spLocks noGrp="1"/>
           </p:cNvSpPr>
@@ -2757,11 +2579,8 @@
             <a:normAutofit/>
           </a:bodyPr>
           <a:p>
-            <a:endParaRPr b="1" lang="en-US" sz="2600" spc="-1" strike="noStrike">
-              <a:solidFill>
-                <a:srgbClr val="1c1c1c"/>
-              </a:solidFill>
-              <a:latin typeface="Noto Sans SemiBold"/>
+            <a:endParaRPr b="0" lang="en-US" sz="3200" spc="-1" strike="noStrike">
+              <a:latin typeface="Arial"/>
             </a:endParaRPr>
           </a:p>
         </p:txBody>
@@ -2790,7 +2609,7 @@
       </p:grpSpPr>
       <p:sp>
         <p:nvSpPr>
-          <p:cNvPr id="26" name="PlaceHolder 1"/>
+          <p:cNvPr id="20" name="PlaceHolder 1"/>
           <p:cNvSpPr>
             <a:spLocks noGrp="1"/>
           </p:cNvSpPr>
@@ -2801,29 +2620,27 @@
         <p:spPr>
           <a:xfrm>
             <a:off x="360000" y="360000"/>
-            <a:ext cx="9360000" cy="900000"/>
-          </a:xfrm>
-          <a:prstGeom prst="rect">
-            <a:avLst/>
-          </a:prstGeom>
-        </p:spPr>
-        <p:txBody>
-          <a:bodyPr lIns="0" rIns="0" tIns="0" bIns="0" anchor="b">
+            <a:ext cx="9359640" cy="899640"/>
+          </a:xfrm>
+          <a:prstGeom prst="rect">
+            <a:avLst/>
+          </a:prstGeom>
+        </p:spPr>
+        <p:txBody>
+          <a:bodyPr lIns="0" rIns="0" tIns="0" bIns="0" anchor="ctr">
             <a:noAutofit/>
           </a:bodyPr>
           <a:p>
-            <a:endParaRPr b="1" lang="en-US" sz="3200" spc="-1" strike="noStrike">
-              <a:solidFill>
-                <a:srgbClr val="ffffff"/>
-              </a:solidFill>
-              <a:latin typeface="Noto Sans Black"/>
-            </a:endParaRPr>
-          </a:p>
-        </p:txBody>
-      </p:sp>
-      <p:sp>
-        <p:nvSpPr>
-          <p:cNvPr id="27" name="PlaceHolder 2"/>
+            <a:pPr algn="ctr"/>
+            <a:endParaRPr b="0" lang="en-US" sz="4400" spc="-1" strike="noStrike">
+              <a:latin typeface="Arial"/>
+            </a:endParaRPr>
+          </a:p>
+        </p:txBody>
+      </p:sp>
+      <p:sp>
+        <p:nvSpPr>
+          <p:cNvPr id="21" name="PlaceHolder 2"/>
           <p:cNvSpPr>
             <a:spLocks noGrp="1"/>
           </p:cNvSpPr>
@@ -2845,18 +2662,15 @@
             <a:normAutofit/>
           </a:bodyPr>
           <a:p>
-            <a:endParaRPr b="1" lang="en-US" sz="2600" spc="-1" strike="noStrike">
-              <a:solidFill>
-                <a:srgbClr val="1c1c1c"/>
-              </a:solidFill>
-              <a:latin typeface="Noto Sans SemiBold"/>
-            </a:endParaRPr>
-          </a:p>
-        </p:txBody>
-      </p:sp>
-      <p:sp>
-        <p:nvSpPr>
-          <p:cNvPr id="28" name="PlaceHolder 3"/>
+            <a:endParaRPr b="0" lang="en-US" sz="3200" spc="-1" strike="noStrike">
+              <a:latin typeface="Arial"/>
+            </a:endParaRPr>
+          </a:p>
+        </p:txBody>
+      </p:sp>
+      <p:sp>
+        <p:nvSpPr>
+          <p:cNvPr id="22" name="PlaceHolder 3"/>
           <p:cNvSpPr>
             <a:spLocks noGrp="1"/>
           </p:cNvSpPr>
@@ -2878,18 +2692,15 @@
             <a:normAutofit/>
           </a:bodyPr>
           <a:p>
-            <a:endParaRPr b="1" lang="en-US" sz="2600" spc="-1" strike="noStrike">
-              <a:solidFill>
-                <a:srgbClr val="1c1c1c"/>
-              </a:solidFill>
-              <a:latin typeface="Noto Sans SemiBold"/>
-            </a:endParaRPr>
-          </a:p>
-        </p:txBody>
-      </p:sp>
-      <p:sp>
-        <p:nvSpPr>
-          <p:cNvPr id="29" name="PlaceHolder 4"/>
+            <a:endParaRPr b="0" lang="en-US" sz="3200" spc="-1" strike="noStrike">
+              <a:latin typeface="Arial"/>
+            </a:endParaRPr>
+          </a:p>
+        </p:txBody>
+      </p:sp>
+      <p:sp>
+        <p:nvSpPr>
+          <p:cNvPr id="23" name="PlaceHolder 4"/>
           <p:cNvSpPr>
             <a:spLocks noGrp="1"/>
           </p:cNvSpPr>
@@ -2900,22 +2711,19 @@
         <p:spPr>
           <a:xfrm>
             <a:off x="360000" y="4424400"/>
-            <a:ext cx="9180000" cy="2232000"/>
-          </a:xfrm>
-          <a:prstGeom prst="rect">
-            <a:avLst/>
-          </a:prstGeom>
-        </p:spPr>
-        <p:txBody>
-          <a:bodyPr lIns="0" rIns="0" tIns="0" bIns="0">
-            <a:normAutofit/>
-          </a:bodyPr>
-          <a:p>
-            <a:endParaRPr b="1" lang="en-US" sz="2600" spc="-1" strike="noStrike">
-              <a:solidFill>
-                <a:srgbClr val="1c1c1c"/>
-              </a:solidFill>
-              <a:latin typeface="Noto Sans SemiBold"/>
+            <a:ext cx="9179640" cy="2232000"/>
+          </a:xfrm>
+          <a:prstGeom prst="rect">
+            <a:avLst/>
+          </a:prstGeom>
+        </p:spPr>
+        <p:txBody>
+          <a:bodyPr lIns="0" rIns="0" tIns="0" bIns="0">
+            <a:normAutofit/>
+          </a:bodyPr>
+          <a:p>
+            <a:endParaRPr b="0" lang="en-US" sz="3200" spc="-1" strike="noStrike">
+              <a:latin typeface="Arial"/>
             </a:endParaRPr>
           </a:p>
         </p:txBody>
@@ -2950,8 +2758,8 @@
         </p:nvSpPr>
         <p:spPr>
           <a:xfrm>
-            <a:off x="0" y="180000"/>
-            <a:ext cx="9720000" cy="1260000"/>
+            <a:off x="0" y="3150000"/>
+            <a:ext cx="9719640" cy="1259640"/>
           </a:xfrm>
           <a:prstGeom prst="rect">
             <a:avLst/>
@@ -2959,7 +2767,7 @@
           <a:solidFill>
             <a:srgbClr val="e74c3c"/>
           </a:solidFill>
-          <a:ln w="72000">
+          <a:ln>
             <a:noFill/>
           </a:ln>
         </p:spPr>
@@ -2972,89 +2780,7 @@
       </p:sp>
       <p:sp>
         <p:nvSpPr>
-          <p:cNvPr id="1" name="CustomShape 2"/>
-          <p:cNvSpPr/>
-          <p:nvPr/>
-        </p:nvSpPr>
-        <p:spPr>
-          <a:xfrm>
-            <a:off x="7560000" y="6840000"/>
-            <a:ext cx="2520000" cy="540000"/>
-          </a:xfrm>
-          <a:prstGeom prst="rect">
-            <a:avLst/>
-          </a:prstGeom>
-          <a:solidFill>
-            <a:srgbClr val="e74c3c"/>
-          </a:solidFill>
-          <a:ln w="72000">
-            <a:noFill/>
-          </a:ln>
-        </p:spPr>
-        <p:style>
-          <a:lnRef idx="0"/>
-          <a:fillRef idx="0"/>
-          <a:effectRef idx="0"/>
-          <a:fontRef idx="minor"/>
-        </p:style>
-      </p:sp>
-      <p:sp>
-        <p:nvSpPr>
-          <p:cNvPr id="2" name="CustomShape 3"/>
-          <p:cNvSpPr/>
-          <p:nvPr/>
-        </p:nvSpPr>
-        <p:spPr>
-          <a:xfrm>
-            <a:off x="900000" y="6840000"/>
-            <a:ext cx="6480000" cy="540000"/>
-          </a:xfrm>
-          <a:prstGeom prst="rect">
-            <a:avLst/>
-          </a:prstGeom>
-          <a:solidFill>
-            <a:srgbClr val="bdc3c7"/>
-          </a:solidFill>
-          <a:ln w="72000">
-            <a:noFill/>
-          </a:ln>
-        </p:spPr>
-        <p:style>
-          <a:lnRef idx="0"/>
-          <a:fillRef idx="0"/>
-          <a:effectRef idx="0"/>
-          <a:fontRef idx="minor"/>
-        </p:style>
-      </p:sp>
-      <p:sp>
-        <p:nvSpPr>
-          <p:cNvPr id="3" name="CustomShape 4"/>
-          <p:cNvSpPr/>
-          <p:nvPr/>
-        </p:nvSpPr>
-        <p:spPr>
-          <a:xfrm>
-            <a:off x="180000" y="6840000"/>
-            <a:ext cx="540000" cy="540000"/>
-          </a:xfrm>
-          <a:prstGeom prst="rect">
-            <a:avLst/>
-          </a:prstGeom>
-          <a:noFill/>
-          <a:ln w="72000">
-            <a:noFill/>
-          </a:ln>
-        </p:spPr>
-        <p:style>
-          <a:lnRef idx="0"/>
-          <a:fillRef idx="0"/>
-          <a:effectRef idx="0"/>
-          <a:fontRef idx="minor"/>
-        </p:style>
-      </p:sp>
-      <p:sp>
-        <p:nvSpPr>
-          <p:cNvPr id="4" name="PlaceHolder 5"/>
+          <p:cNvPr id="1" name="PlaceHolder 2"/>
           <p:cNvSpPr>
             <a:spLocks noGrp="1"/>
           </p:cNvSpPr>
@@ -3065,7 +2791,7 @@
         <p:spPr>
           <a:xfrm>
             <a:off x="360000" y="360000"/>
-            <a:ext cx="9360000" cy="900000"/>
+            <a:ext cx="9359640" cy="899640"/>
           </a:xfrm>
           <a:prstGeom prst="rect">
             <a:avLst/>
@@ -3077,26 +2803,20 @@
           </a:bodyPr>
           <a:p>
             <a:r>
-              <a:rPr b="1" lang="en-US" sz="3200" spc="-1" strike="noStrike">
-                <a:solidFill>
-                  <a:srgbClr val="ffffff"/>
-                </a:solidFill>
-                <a:latin typeface="Noto Sans Black"/>
+              <a:rPr b="0" lang="en-US" sz="1800" spc="-1" strike="noStrike">
+                <a:latin typeface="Arial"/>
               </a:rPr>
               <a:t>Click to edit the title text format</a:t>
             </a:r>
-            <a:endParaRPr b="1" lang="en-US" sz="3200" spc="-1" strike="noStrike">
-              <a:solidFill>
-                <a:srgbClr val="ffffff"/>
-              </a:solidFill>
-              <a:latin typeface="Noto Sans Black"/>
-            </a:endParaRPr>
-          </a:p>
-        </p:txBody>
-      </p:sp>
-      <p:sp>
-        <p:nvSpPr>
-          <p:cNvPr id="5" name="PlaceHolder 6"/>
+            <a:endParaRPr b="0" lang="en-US" sz="1800" spc="-1" strike="noStrike">
+              <a:latin typeface="Arial"/>
+            </a:endParaRPr>
+          </a:p>
+        </p:txBody>
+      </p:sp>
+      <p:sp>
+        <p:nvSpPr>
+          <p:cNvPr id="2" name="PlaceHolder 3"/>
           <p:cNvSpPr>
             <a:spLocks noGrp="1"/>
           </p:cNvSpPr>
@@ -3106,298 +2826,169 @@
         </p:nvSpPr>
         <p:spPr>
           <a:xfrm>
-            <a:off x="360000" y="1980000"/>
-            <a:ext cx="9180000" cy="4680000"/>
-          </a:xfrm>
-          <a:prstGeom prst="rect">
-            <a:avLst/>
-          </a:prstGeom>
-        </p:spPr>
-        <p:txBody>
-          <a:bodyPr lIns="0" rIns="0" tIns="0" bIns="0">
-            <a:normAutofit/>
-          </a:bodyPr>
-          <a:p>
-            <a:pPr>
-              <a:spcAft>
-                <a:spcPts val="1142"/>
-              </a:spcAft>
+            <a:off x="504000" y="1768680"/>
+            <a:ext cx="9072000" cy="4384080"/>
+          </a:xfrm>
+          <a:prstGeom prst="rect">
+            <a:avLst/>
+          </a:prstGeom>
+        </p:spPr>
+        <p:txBody>
+          <a:bodyPr lIns="0" rIns="0" tIns="0" bIns="0">
+            <a:normAutofit/>
+          </a:bodyPr>
+          <a:p>
+            <a:pPr marL="432000" indent="-324000">
+              <a:spcBef>
+                <a:spcPts val="1417"/>
+              </a:spcBef>
+              <a:buClr>
+                <a:srgbClr val="000000"/>
+              </a:buClr>
+              <a:buSzPct val="45000"/>
+              <a:buFont typeface="Wingdings" charset="2"/>
+              <a:buChar char=""/>
             </a:pPr>
             <a:r>
-              <a:rPr b="1" lang="en-US" sz="2600" spc="-1" strike="noStrike">
-                <a:solidFill>
-                  <a:srgbClr val="1c1c1c"/>
-                </a:solidFill>
-                <a:latin typeface="Noto Sans SemiBold"/>
+              <a:rPr b="0" lang="en-US" sz="3200" spc="-1" strike="noStrike">
+                <a:latin typeface="Arial"/>
               </a:rPr>
               <a:t>Click to edit the outline text format</a:t>
             </a:r>
-            <a:endParaRPr b="1" lang="en-US" sz="2600" spc="-1" strike="noStrike">
-              <a:solidFill>
-                <a:srgbClr val="1c1c1c"/>
-              </a:solidFill>
-              <a:latin typeface="Noto Sans SemiBold"/>
-            </a:endParaRPr>
-          </a:p>
-          <a:p>
-            <a:pPr lvl="1" marL="288000">
-              <a:spcAft>
+            <a:endParaRPr b="0" lang="en-US" sz="3200" spc="-1" strike="noStrike">
+              <a:latin typeface="Arial"/>
+            </a:endParaRPr>
+          </a:p>
+          <a:p>
+            <a:pPr lvl="1" marL="864000" indent="-324000">
+              <a:spcBef>
                 <a:spcPts val="1134"/>
-              </a:spcAft>
+              </a:spcBef>
+              <a:buClr>
+                <a:srgbClr val="000000"/>
+              </a:buClr>
+              <a:buSzPct val="75000"/>
+              <a:buFont typeface="Symbol" charset="2"/>
+              <a:buChar char=""/>
             </a:pPr>
             <a:r>
-              <a:rPr b="0" lang="en-US" sz="2200" spc="-1" strike="noStrike">
-                <a:solidFill>
-                  <a:srgbClr val="1c1c1c"/>
-                </a:solidFill>
-                <a:latin typeface="Noto Sans Light"/>
+              <a:rPr b="0" lang="en-US" sz="2800" spc="-1" strike="noStrike">
+                <a:latin typeface="Arial"/>
               </a:rPr>
               <a:t>Second Outline Level</a:t>
             </a:r>
-            <a:endParaRPr b="0" lang="en-US" sz="2200" spc="-1" strike="noStrike">
-              <a:solidFill>
-                <a:srgbClr val="1c1c1c"/>
-              </a:solidFill>
-              <a:latin typeface="Noto Sans Light"/>
-            </a:endParaRPr>
-          </a:p>
-          <a:p>
-            <a:pPr lvl="2" marL="576000">
-              <a:spcAft>
+            <a:endParaRPr b="0" lang="en-US" sz="2800" spc="-1" strike="noStrike">
+              <a:latin typeface="Arial"/>
+            </a:endParaRPr>
+          </a:p>
+          <a:p>
+            <a:pPr lvl="2" marL="1296000" indent="-288000">
+              <a:spcBef>
                 <a:spcPts val="850"/>
-              </a:spcAft>
+              </a:spcBef>
+              <a:buClr>
+                <a:srgbClr val="000000"/>
+              </a:buClr>
+              <a:buSzPct val="45000"/>
+              <a:buFont typeface="Wingdings" charset="2"/>
+              <a:buChar char=""/>
             </a:pPr>
             <a:r>
-              <a:rPr b="0" lang="en-US" sz="1800" spc="-1" strike="noStrike">
-                <a:solidFill>
-                  <a:srgbClr val="1c1c1c"/>
-                </a:solidFill>
-                <a:latin typeface="Noto Sans Light"/>
+              <a:rPr b="0" lang="en-US" sz="2400" spc="-1" strike="noStrike">
+                <a:latin typeface="Arial"/>
               </a:rPr>
               <a:t>Third Outline Level</a:t>
             </a:r>
-            <a:endParaRPr b="0" lang="en-US" sz="1800" spc="-1" strike="noStrike">
-              <a:solidFill>
-                <a:srgbClr val="1c1c1c"/>
-              </a:solidFill>
-              <a:latin typeface="Noto Sans Light"/>
-            </a:endParaRPr>
-          </a:p>
-          <a:p>
-            <a:pPr lvl="3" marL="864000">
-              <a:spcAft>
+            <a:endParaRPr b="0" lang="en-US" sz="2400" spc="-1" strike="noStrike">
+              <a:latin typeface="Arial"/>
+            </a:endParaRPr>
+          </a:p>
+          <a:p>
+            <a:pPr lvl="3" marL="1728000" indent="-216000">
+              <a:spcBef>
                 <a:spcPts val="567"/>
-              </a:spcAft>
+              </a:spcBef>
+              <a:buClr>
+                <a:srgbClr val="000000"/>
+              </a:buClr>
+              <a:buSzPct val="75000"/>
+              <a:buFont typeface="Symbol" charset="2"/>
+              <a:buChar char=""/>
             </a:pPr>
             <a:r>
-              <a:rPr b="0" lang="en-US" sz="1600" spc="-1" strike="noStrike">
-                <a:solidFill>
-                  <a:srgbClr val="1c1c1c"/>
-                </a:solidFill>
-                <a:latin typeface="Noto Sans Light"/>
+              <a:rPr b="0" lang="en-US" sz="2000" spc="-1" strike="noStrike">
+                <a:latin typeface="Arial"/>
               </a:rPr>
               <a:t>Fourth Outline Level</a:t>
             </a:r>
-            <a:endParaRPr b="0" lang="en-US" sz="1600" spc="-1" strike="noStrike">
-              <a:solidFill>
-                <a:srgbClr val="1c1c1c"/>
-              </a:solidFill>
-              <a:latin typeface="Noto Sans Light"/>
-            </a:endParaRPr>
-          </a:p>
-          <a:p>
-            <a:pPr lvl="4" marL="1152000">
-              <a:spcAft>
+            <a:endParaRPr b="0" lang="en-US" sz="2000" spc="-1" strike="noStrike">
+              <a:latin typeface="Arial"/>
+            </a:endParaRPr>
+          </a:p>
+          <a:p>
+            <a:pPr lvl="4" marL="2160000" indent="-216000">
+              <a:spcBef>
                 <a:spcPts val="283"/>
-              </a:spcAft>
+              </a:spcBef>
+              <a:buClr>
+                <a:srgbClr val="000000"/>
+              </a:buClr>
+              <a:buSzPct val="45000"/>
+              <a:buFont typeface="Wingdings" charset="2"/>
+              <a:buChar char=""/>
             </a:pPr>
             <a:r>
-              <a:rPr b="0" lang="en-US" sz="1600" spc="-1" strike="noStrike">
-                <a:solidFill>
-                  <a:srgbClr val="1c1c1c"/>
-                </a:solidFill>
-                <a:latin typeface="Noto Sans Light"/>
+              <a:rPr b="0" lang="en-US" sz="2000" spc="-1" strike="noStrike">
+                <a:latin typeface="Arial"/>
               </a:rPr>
               <a:t>Fifth Outline Level</a:t>
             </a:r>
-            <a:endParaRPr b="0" lang="en-US" sz="1600" spc="-1" strike="noStrike">
-              <a:solidFill>
-                <a:srgbClr val="1c1c1c"/>
-              </a:solidFill>
-              <a:latin typeface="Noto Sans Light"/>
-            </a:endParaRPr>
-          </a:p>
-          <a:p>
-            <a:pPr lvl="5" marL="1440000">
-              <a:spcAft>
+            <a:endParaRPr b="0" lang="en-US" sz="2000" spc="-1" strike="noStrike">
+              <a:latin typeface="Arial"/>
+            </a:endParaRPr>
+          </a:p>
+          <a:p>
+            <a:pPr lvl="5" marL="2592000" indent="-216000">
+              <a:spcBef>
                 <a:spcPts val="283"/>
-              </a:spcAft>
+              </a:spcBef>
+              <a:buClr>
+                <a:srgbClr val="000000"/>
+              </a:buClr>
+              <a:buSzPct val="45000"/>
+              <a:buFont typeface="Wingdings" charset="2"/>
+              <a:buChar char=""/>
             </a:pPr>
             <a:r>
-              <a:rPr b="0" lang="en-US" sz="1600" spc="-1" strike="noStrike">
-                <a:solidFill>
-                  <a:srgbClr val="1c1c1c"/>
-                </a:solidFill>
-                <a:latin typeface="Noto Sans Light"/>
+              <a:rPr b="0" lang="en-US" sz="2000" spc="-1" strike="noStrike">
+                <a:latin typeface="Arial"/>
               </a:rPr>
               <a:t>Sixth Outline Level</a:t>
             </a:r>
-            <a:endParaRPr b="0" lang="en-US" sz="1600" spc="-1" strike="noStrike">
-              <a:solidFill>
-                <a:srgbClr val="1c1c1c"/>
-              </a:solidFill>
-              <a:latin typeface="Noto Sans Light"/>
-            </a:endParaRPr>
-          </a:p>
-          <a:p>
-            <a:pPr lvl="6" marL="1728000">
-              <a:spcAft>
+            <a:endParaRPr b="0" lang="en-US" sz="2000" spc="-1" strike="noStrike">
+              <a:latin typeface="Arial"/>
+            </a:endParaRPr>
+          </a:p>
+          <a:p>
+            <a:pPr lvl="6" marL="3024000" indent="-216000">
+              <a:spcBef>
                 <a:spcPts val="283"/>
-              </a:spcAft>
+              </a:spcBef>
+              <a:buClr>
+                <a:srgbClr val="000000"/>
+              </a:buClr>
+              <a:buSzPct val="45000"/>
+              <a:buFont typeface="Wingdings" charset="2"/>
+              <a:buChar char=""/>
             </a:pPr>
             <a:r>
-              <a:rPr b="0" lang="en-US" sz="1600" spc="-1" strike="noStrike">
-                <a:solidFill>
-                  <a:srgbClr val="1c1c1c"/>
-                </a:solidFill>
-                <a:latin typeface="Noto Sans Light"/>
+              <a:rPr b="0" lang="en-US" sz="2000" spc="-1" strike="noStrike">
+                <a:latin typeface="Arial"/>
               </a:rPr>
               <a:t>Seventh Outline Level</a:t>
             </a:r>
-            <a:endParaRPr b="0" lang="en-US" sz="1600" spc="-1" strike="noStrike">
-              <a:solidFill>
-                <a:srgbClr val="1c1c1c"/>
-              </a:solidFill>
-              <a:latin typeface="Noto Sans Light"/>
-            </a:endParaRPr>
-          </a:p>
-        </p:txBody>
-      </p:sp>
-      <p:sp>
-        <p:nvSpPr>
-          <p:cNvPr id="6" name="PlaceHolder 7"/>
-          <p:cNvSpPr>
-            <a:spLocks noGrp="1"/>
-          </p:cNvSpPr>
-          <p:nvPr>
-            <p:ph type="dt"/>
-          </p:nvPr>
-        </p:nvSpPr>
-        <p:spPr>
-          <a:xfrm>
-            <a:off x="7560000" y="6840000"/>
-            <a:ext cx="2340000" cy="521640"/>
-          </a:xfrm>
-          <a:prstGeom prst="rect">
-            <a:avLst/>
-          </a:prstGeom>
-        </p:spPr>
-        <p:txBody>
-          <a:bodyPr lIns="0" rIns="0" tIns="0" bIns="0" anchor="ctr">
-            <a:noAutofit/>
-          </a:bodyPr>
-          <a:p>
-            <a:pPr algn="r"/>
-            <a:r>
-              <a:rPr b="1" lang="en-US" sz="1800" spc="-1" strike="noStrike">
-                <a:solidFill>
-                  <a:srgbClr val="ffffff"/>
-                </a:solidFill>
-                <a:latin typeface="Noto Sans Black"/>
-              </a:rPr>
-              <a:t>&lt;date/time&gt;</a:t>
-            </a:r>
-            <a:endParaRPr b="1" lang="en-US" sz="1800" spc="-1" strike="noStrike">
-              <a:solidFill>
-                <a:srgbClr val="ffffff"/>
-              </a:solidFill>
-              <a:latin typeface="Noto Sans Black"/>
-            </a:endParaRPr>
-          </a:p>
-        </p:txBody>
-      </p:sp>
-      <p:sp>
-        <p:nvSpPr>
-          <p:cNvPr id="7" name="PlaceHolder 8"/>
-          <p:cNvSpPr>
-            <a:spLocks noGrp="1"/>
-          </p:cNvSpPr>
-          <p:nvPr>
-            <p:ph type="ftr"/>
-          </p:nvPr>
-        </p:nvSpPr>
-        <p:spPr>
-          <a:xfrm>
-            <a:off x="1080000" y="6840000"/>
-            <a:ext cx="3240000" cy="540000"/>
-          </a:xfrm>
-          <a:prstGeom prst="rect">
-            <a:avLst/>
-          </a:prstGeom>
-        </p:spPr>
-        <p:txBody>
-          <a:bodyPr lIns="0" rIns="0" tIns="0" bIns="0" anchor="ctr">
-            <a:noAutofit/>
-          </a:bodyPr>
-          <a:p>
-            <a:pPr algn="ctr"/>
-            <a:r>
-              <a:rPr b="1" lang="en-US" sz="1800" spc="-1" strike="noStrike">
-                <a:solidFill>
-                  <a:srgbClr val="ffffff"/>
-                </a:solidFill>
-                <a:latin typeface="Noto Sans Black"/>
-              </a:rPr>
-              <a:t>&lt;footer&gt;</a:t>
-            </a:r>
-            <a:endParaRPr b="1" lang="en-US" sz="1800" spc="-1" strike="noStrike">
-              <a:solidFill>
-                <a:srgbClr val="ffffff"/>
-              </a:solidFill>
-              <a:latin typeface="Noto Sans Black"/>
-            </a:endParaRPr>
-          </a:p>
-        </p:txBody>
-      </p:sp>
-      <p:sp>
-        <p:nvSpPr>
-          <p:cNvPr id="8" name="PlaceHolder 9"/>
-          <p:cNvSpPr>
-            <a:spLocks noGrp="1"/>
-          </p:cNvSpPr>
-          <p:nvPr>
-            <p:ph type="sldNum"/>
-          </p:nvPr>
-        </p:nvSpPr>
-        <p:spPr>
-          <a:xfrm>
-            <a:off x="180000" y="6840000"/>
-            <a:ext cx="540000" cy="540000"/>
-          </a:xfrm>
-          <a:prstGeom prst="rect">
-            <a:avLst/>
-          </a:prstGeom>
-        </p:spPr>
-        <p:txBody>
-          <a:bodyPr lIns="0" rIns="0" tIns="0" bIns="0" anchor="ctr">
-            <a:noAutofit/>
-          </a:bodyPr>
-          <a:p>
-            <a:pPr algn="ctr"/>
-            <a:fld id="{B6BDFC80-9DC3-4E82-ADC0-F60AE6CF6C95}" type="slidenum">
-              <a:rPr b="1" lang="en-US" sz="1800" spc="-1" strike="noStrike">
-                <a:solidFill>
-                  <a:srgbClr val="ffffff"/>
-                </a:solidFill>
-                <a:latin typeface="Noto Sans Black"/>
-              </a:rPr>
-              <a:t>&lt;number&gt;</a:t>
-            </a:fld>
-            <a:endParaRPr b="1" lang="en-US" sz="1800" spc="-1" strike="noStrike">
-              <a:solidFill>
-                <a:srgbClr val="ffffff"/>
-              </a:solidFill>
-              <a:latin typeface="Noto Sans Black"/>
+            <a:endParaRPr b="0" lang="en-US" sz="2000" spc="-1" strike="noStrike">
+              <a:latin typeface="Arial"/>
             </a:endParaRPr>
           </a:p>
         </p:txBody>
@@ -3441,14 +3032,14 @@
       </p:grpSpPr>
       <p:sp>
         <p:nvSpPr>
-          <p:cNvPr id="45" name="CustomShape 1"/>
+          <p:cNvPr id="39" name="CustomShape 1"/>
           <p:cNvSpPr/>
           <p:nvPr/>
         </p:nvSpPr>
         <p:spPr>
           <a:xfrm>
-            <a:off x="0" y="3150000"/>
-            <a:ext cx="9720000" cy="1260000"/>
+            <a:off x="0" y="180000"/>
+            <a:ext cx="9719640" cy="1259640"/>
           </a:xfrm>
           <a:prstGeom prst="rect">
             <a:avLst/>
@@ -3456,7 +3047,7 @@
           <a:solidFill>
             <a:srgbClr val="e74c3c"/>
           </a:solidFill>
-          <a:ln>
+          <a:ln w="72000">
             <a:noFill/>
           </a:ln>
         </p:spPr>
@@ -3469,7 +3060,89 @@
       </p:sp>
       <p:sp>
         <p:nvSpPr>
-          <p:cNvPr id="46" name="PlaceHolder 2"/>
+          <p:cNvPr id="40" name="CustomShape 2"/>
+          <p:cNvSpPr/>
+          <p:nvPr/>
+        </p:nvSpPr>
+        <p:spPr>
+          <a:xfrm>
+            <a:off x="7560000" y="6840000"/>
+            <a:ext cx="2519640" cy="539640"/>
+          </a:xfrm>
+          <a:prstGeom prst="rect">
+            <a:avLst/>
+          </a:prstGeom>
+          <a:solidFill>
+            <a:srgbClr val="e74c3c"/>
+          </a:solidFill>
+          <a:ln w="72000">
+            <a:noFill/>
+          </a:ln>
+        </p:spPr>
+        <p:style>
+          <a:lnRef idx="0"/>
+          <a:fillRef idx="0"/>
+          <a:effectRef idx="0"/>
+          <a:fontRef idx="minor"/>
+        </p:style>
+      </p:sp>
+      <p:sp>
+        <p:nvSpPr>
+          <p:cNvPr id="41" name="CustomShape 3"/>
+          <p:cNvSpPr/>
+          <p:nvPr/>
+        </p:nvSpPr>
+        <p:spPr>
+          <a:xfrm>
+            <a:off x="900000" y="6840000"/>
+            <a:ext cx="6479640" cy="539640"/>
+          </a:xfrm>
+          <a:prstGeom prst="rect">
+            <a:avLst/>
+          </a:prstGeom>
+          <a:solidFill>
+            <a:srgbClr val="bdc3c7"/>
+          </a:solidFill>
+          <a:ln w="72000">
+            <a:noFill/>
+          </a:ln>
+        </p:spPr>
+        <p:style>
+          <a:lnRef idx="0"/>
+          <a:fillRef idx="0"/>
+          <a:effectRef idx="0"/>
+          <a:fontRef idx="minor"/>
+        </p:style>
+      </p:sp>
+      <p:sp>
+        <p:nvSpPr>
+          <p:cNvPr id="42" name="CustomShape 4"/>
+          <p:cNvSpPr/>
+          <p:nvPr/>
+        </p:nvSpPr>
+        <p:spPr>
+          <a:xfrm>
+            <a:off x="180000" y="6840000"/>
+            <a:ext cx="539640" cy="539640"/>
+          </a:xfrm>
+          <a:prstGeom prst="rect">
+            <a:avLst/>
+          </a:prstGeom>
+          <a:noFill/>
+          <a:ln w="72000">
+            <a:noFill/>
+          </a:ln>
+        </p:spPr>
+        <p:style>
+          <a:lnRef idx="0"/>
+          <a:fillRef idx="0"/>
+          <a:effectRef idx="0"/>
+          <a:fontRef idx="minor"/>
+        </p:style>
+      </p:sp>
+      <p:sp>
+        <p:nvSpPr>
+          <p:cNvPr id="43" name="PlaceHolder 5"/>
           <p:cNvSpPr>
             <a:spLocks noGrp="1"/>
           </p:cNvSpPr>
@@ -3479,8 +3152,8 @@
         </p:nvSpPr>
         <p:spPr>
           <a:xfrm>
-            <a:off x="360000" y="3330000"/>
-            <a:ext cx="9360000" cy="900000"/>
+            <a:off x="360000" y="360000"/>
+            <a:ext cx="9359640" cy="899640"/>
           </a:xfrm>
           <a:prstGeom prst="rect">
             <a:avLst/>
@@ -3492,26 +3165,20 @@
           </a:bodyPr>
           <a:p>
             <a:r>
-              <a:rPr b="1" lang="en-US" sz="3200" spc="-1" strike="noStrike">
-                <a:solidFill>
-                  <a:srgbClr val="ffffff"/>
-                </a:solidFill>
-                <a:latin typeface="Noto Sans Black"/>
+              <a:rPr b="0" lang="en-US" sz="1800" spc="-1" strike="noStrike">
+                <a:latin typeface="Arial"/>
               </a:rPr>
               <a:t>Click to edit the title text format</a:t>
             </a:r>
-            <a:endParaRPr b="1" lang="en-US" sz="3200" spc="-1" strike="noStrike">
-              <a:solidFill>
-                <a:srgbClr val="ffffff"/>
-              </a:solidFill>
-              <a:latin typeface="Noto Sans Black"/>
-            </a:endParaRPr>
-          </a:p>
-        </p:txBody>
-      </p:sp>
-      <p:sp>
-        <p:nvSpPr>
-          <p:cNvPr id="47" name="PlaceHolder 3"/>
+            <a:endParaRPr b="0" lang="en-US" sz="1800" spc="-1" strike="noStrike">
+              <a:latin typeface="Arial"/>
+            </a:endParaRPr>
+          </a:p>
+        </p:txBody>
+      </p:sp>
+      <p:sp>
+        <p:nvSpPr>
+          <p:cNvPr id="44" name="PlaceHolder 6"/>
           <p:cNvSpPr>
             <a:spLocks noGrp="1"/>
           </p:cNvSpPr>
@@ -3521,297 +3188,169 @@
         </p:nvSpPr>
         <p:spPr>
           <a:xfrm>
-            <a:off x="540000" y="4680000"/>
-            <a:ext cx="9180000" cy="2520000"/>
-          </a:xfrm>
-          <a:prstGeom prst="rect">
-            <a:avLst/>
-          </a:prstGeom>
-        </p:spPr>
-        <p:txBody>
-          <a:bodyPr lIns="0" rIns="0" tIns="0" bIns="0">
-            <a:normAutofit/>
-          </a:bodyPr>
-          <a:p>
-            <a:pPr>
-              <a:spcAft>
-                <a:spcPts val="1142"/>
-              </a:spcAft>
+            <a:off x="360000" y="1980000"/>
+            <a:ext cx="9179640" cy="4679640"/>
+          </a:xfrm>
+          <a:prstGeom prst="rect">
+            <a:avLst/>
+          </a:prstGeom>
+        </p:spPr>
+        <p:txBody>
+          <a:bodyPr lIns="0" rIns="0" tIns="0" bIns="0">
+            <a:normAutofit/>
+          </a:bodyPr>
+          <a:p>
+            <a:pPr marL="432000" indent="-324000">
+              <a:spcBef>
+                <a:spcPts val="1417"/>
+              </a:spcBef>
+              <a:buClr>
+                <a:srgbClr val="000000"/>
+              </a:buClr>
+              <a:buSzPct val="45000"/>
+              <a:buFont typeface="Wingdings" charset="2"/>
+              <a:buChar char=""/>
             </a:pPr>
             <a:r>
-              <a:rPr b="1" lang="en-US" sz="2600" spc="-1" strike="noStrike">
-                <a:solidFill>
-                  <a:srgbClr val="1c1c1c"/>
-                </a:solidFill>
-                <a:latin typeface="Noto Sans SemiBold"/>
+              <a:rPr b="0" lang="en-US" sz="1800" spc="-1" strike="noStrike">
+                <a:latin typeface="Arial"/>
               </a:rPr>
               <a:t>Click to edit the outline text format</a:t>
             </a:r>
-            <a:endParaRPr b="1" lang="en-US" sz="2600" spc="-1" strike="noStrike">
-              <a:solidFill>
-                <a:srgbClr val="1c1c1c"/>
-              </a:solidFill>
-              <a:latin typeface="Noto Sans SemiBold"/>
-            </a:endParaRPr>
-          </a:p>
-          <a:p>
-            <a:pPr lvl="1" marL="288000">
-              <a:spcAft>
-                <a:spcPts val="1131"/>
-              </a:spcAft>
+            <a:endParaRPr b="0" lang="en-US" sz="1800" spc="-1" strike="noStrike">
+              <a:latin typeface="Arial"/>
+            </a:endParaRPr>
+          </a:p>
+          <a:p>
+            <a:pPr lvl="1" marL="864000" indent="-324000">
+              <a:spcBef>
+                <a:spcPts val="1134"/>
+              </a:spcBef>
+              <a:buClr>
+                <a:srgbClr val="000000"/>
+              </a:buClr>
+              <a:buSzPct val="75000"/>
+              <a:buFont typeface="Symbol" charset="2"/>
+              <a:buChar char=""/>
             </a:pPr>
             <a:r>
-              <a:rPr b="0" lang="en-US" sz="2200" spc="-1" strike="noStrike">
-                <a:solidFill>
-                  <a:srgbClr val="1c1c1c"/>
-                </a:solidFill>
-                <a:latin typeface="Noto Sans Light"/>
+              <a:rPr b="0" lang="en-US" sz="1800" spc="-1" strike="noStrike">
+                <a:latin typeface="Arial"/>
               </a:rPr>
               <a:t>Second Outline Level</a:t>
             </a:r>
-            <a:endParaRPr b="0" lang="en-US" sz="2200" spc="-1" strike="noStrike">
-              <a:solidFill>
-                <a:srgbClr val="1c1c1c"/>
-              </a:solidFill>
-              <a:latin typeface="Noto Sans Light"/>
-            </a:endParaRPr>
-          </a:p>
-          <a:p>
-            <a:pPr lvl="2" marL="576000">
-              <a:spcAft>
+            <a:endParaRPr b="0" lang="en-US" sz="1800" spc="-1" strike="noStrike">
+              <a:latin typeface="Arial"/>
+            </a:endParaRPr>
+          </a:p>
+          <a:p>
+            <a:pPr lvl="2" marL="1296000" indent="-288000">
+              <a:spcBef>
                 <a:spcPts val="850"/>
-              </a:spcAft>
+              </a:spcBef>
+              <a:buClr>
+                <a:srgbClr val="000000"/>
+              </a:buClr>
+              <a:buSzPct val="45000"/>
+              <a:buFont typeface="Wingdings" charset="2"/>
+              <a:buChar char=""/>
             </a:pPr>
             <a:r>
               <a:rPr b="0" lang="en-US" sz="1800" spc="-1" strike="noStrike">
-                <a:solidFill>
-                  <a:srgbClr val="1c1c1c"/>
-                </a:solidFill>
-                <a:latin typeface="Noto Sans Light"/>
+                <a:latin typeface="Arial"/>
               </a:rPr>
               <a:t>Third Outline Level</a:t>
             </a:r>
             <a:endParaRPr b="0" lang="en-US" sz="1800" spc="-1" strike="noStrike">
-              <a:solidFill>
-                <a:srgbClr val="1c1c1c"/>
-              </a:solidFill>
-              <a:latin typeface="Noto Sans Light"/>
-            </a:endParaRPr>
-          </a:p>
-          <a:p>
-            <a:pPr lvl="3" marL="864000">
-              <a:spcAft>
+              <a:latin typeface="Arial"/>
+            </a:endParaRPr>
+          </a:p>
+          <a:p>
+            <a:pPr lvl="3" marL="1728000" indent="-216000">
+              <a:spcBef>
                 <a:spcPts val="567"/>
-              </a:spcAft>
+              </a:spcBef>
+              <a:buClr>
+                <a:srgbClr val="000000"/>
+              </a:buClr>
+              <a:buSzPct val="75000"/>
+              <a:buFont typeface="Symbol" charset="2"/>
+              <a:buChar char=""/>
             </a:pPr>
             <a:r>
-              <a:rPr b="0" lang="en-US" sz="1600" spc="-1" strike="noStrike">
-                <a:solidFill>
-                  <a:srgbClr val="1c1c1c"/>
-                </a:solidFill>
-                <a:latin typeface="Noto Sans Light"/>
+              <a:rPr b="0" lang="en-US" sz="1800" spc="-1" strike="noStrike">
+                <a:latin typeface="Arial"/>
               </a:rPr>
               <a:t>Fourth Outline Level</a:t>
             </a:r>
-            <a:endParaRPr b="0" lang="en-US" sz="1600" spc="-1" strike="noStrike">
-              <a:solidFill>
-                <a:srgbClr val="1c1c1c"/>
-              </a:solidFill>
-              <a:latin typeface="Noto Sans Light"/>
-            </a:endParaRPr>
-          </a:p>
-          <a:p>
-            <a:pPr lvl="4" marL="1152000">
-              <a:spcAft>
+            <a:endParaRPr b="0" lang="en-US" sz="1800" spc="-1" strike="noStrike">
+              <a:latin typeface="Arial"/>
+            </a:endParaRPr>
+          </a:p>
+          <a:p>
+            <a:pPr lvl="4" marL="2160000" indent="-216000">
+              <a:spcBef>
                 <a:spcPts val="283"/>
-              </a:spcAft>
+              </a:spcBef>
+              <a:buClr>
+                <a:srgbClr val="000000"/>
+              </a:buClr>
+              <a:buSzPct val="45000"/>
+              <a:buFont typeface="Wingdings" charset="2"/>
+              <a:buChar char=""/>
             </a:pPr>
             <a:r>
-              <a:rPr b="0" lang="en-US" sz="1600" spc="-1" strike="noStrike">
-                <a:solidFill>
-                  <a:srgbClr val="1c1c1c"/>
-                </a:solidFill>
-                <a:latin typeface="Noto Sans Light"/>
+              <a:rPr b="0" lang="en-US" sz="1800" spc="-1" strike="noStrike">
+                <a:latin typeface="Arial"/>
               </a:rPr>
               <a:t>Fifth Outline Level</a:t>
             </a:r>
-            <a:endParaRPr b="0" lang="en-US" sz="1600" spc="-1" strike="noStrike">
-              <a:solidFill>
-                <a:srgbClr val="1c1c1c"/>
-              </a:solidFill>
-              <a:latin typeface="Noto Sans Light"/>
-            </a:endParaRPr>
-          </a:p>
-          <a:p>
-            <a:pPr lvl="5" marL="1440000">
-              <a:spcAft>
+            <a:endParaRPr b="0" lang="en-US" sz="1800" spc="-1" strike="noStrike">
+              <a:latin typeface="Arial"/>
+            </a:endParaRPr>
+          </a:p>
+          <a:p>
+            <a:pPr lvl="5" marL="2592000" indent="-216000">
+              <a:spcBef>
                 <a:spcPts val="283"/>
-              </a:spcAft>
+              </a:spcBef>
+              <a:buClr>
+                <a:srgbClr val="000000"/>
+              </a:buClr>
+              <a:buSzPct val="45000"/>
+              <a:buFont typeface="Wingdings" charset="2"/>
+              <a:buChar char=""/>
             </a:pPr>
             <a:r>
-              <a:rPr b="0" lang="en-US" sz="1600" spc="-1" strike="noStrike">
-                <a:solidFill>
-                  <a:srgbClr val="1c1c1c"/>
-                </a:solidFill>
-                <a:latin typeface="Noto Sans Light"/>
+              <a:rPr b="0" lang="en-US" sz="1800" spc="-1" strike="noStrike">
+                <a:latin typeface="Arial"/>
               </a:rPr>
               <a:t>Sixth Outline Level</a:t>
             </a:r>
-            <a:endParaRPr b="0" lang="en-US" sz="1600" spc="-1" strike="noStrike">
-              <a:solidFill>
-                <a:srgbClr val="1c1c1c"/>
-              </a:solidFill>
-              <a:latin typeface="Noto Sans Light"/>
-            </a:endParaRPr>
-          </a:p>
-          <a:p>
-            <a:pPr lvl="6" marL="1728000">
-              <a:spcAft>
+            <a:endParaRPr b="0" lang="en-US" sz="1800" spc="-1" strike="noStrike">
+              <a:latin typeface="Arial"/>
+            </a:endParaRPr>
+          </a:p>
+          <a:p>
+            <a:pPr lvl="6" marL="3024000" indent="-216000">
+              <a:spcBef>
                 <a:spcPts val="283"/>
-              </a:spcAft>
+              </a:spcBef>
+              <a:buClr>
+                <a:srgbClr val="000000"/>
+              </a:buClr>
+              <a:buSzPct val="45000"/>
+              <a:buFont typeface="Wingdings" charset="2"/>
+              <a:buChar char=""/>
             </a:pPr>
             <a:r>
-              <a:rPr b="0" lang="en-US" sz="1600" spc="-1" strike="noStrike">
-                <a:solidFill>
-                  <a:srgbClr val="1c1c1c"/>
-                </a:solidFill>
-                <a:latin typeface="Noto Sans Light"/>
+              <a:rPr b="0" lang="en-US" sz="1800" spc="-1" strike="noStrike">
+                <a:latin typeface="Arial"/>
               </a:rPr>
               <a:t>Seventh Outline Level</a:t>
             </a:r>
-            <a:endParaRPr b="0" lang="en-US" sz="1600" spc="-1" strike="noStrike">
-              <a:solidFill>
-                <a:srgbClr val="1c1c1c"/>
-              </a:solidFill>
-              <a:latin typeface="Noto Sans Light"/>
-            </a:endParaRPr>
-          </a:p>
-        </p:txBody>
-      </p:sp>
-      <p:sp>
-        <p:nvSpPr>
-          <p:cNvPr id="48" name="PlaceHolder 4"/>
-          <p:cNvSpPr>
-            <a:spLocks noGrp="1"/>
-          </p:cNvSpPr>
-          <p:nvPr>
-            <p:ph type="dt"/>
-          </p:nvPr>
-        </p:nvSpPr>
-        <p:spPr>
-          <a:xfrm>
-            <a:off x="7560000" y="6840000"/>
-            <a:ext cx="2340000" cy="540000"/>
-          </a:xfrm>
-          <a:prstGeom prst="rect">
-            <a:avLst/>
-          </a:prstGeom>
-        </p:spPr>
-        <p:txBody>
-          <a:bodyPr lIns="0" rIns="0" tIns="0" bIns="0" anchor="ctr">
-            <a:noAutofit/>
-          </a:bodyPr>
-          <a:p>
-            <a:r>
-              <a:rPr b="1" lang="en-US" sz="1800" spc="-1" strike="noStrike">
-                <a:solidFill>
-                  <a:srgbClr val="e74c3c"/>
-                </a:solidFill>
-                <a:latin typeface="Noto Sans Black"/>
-              </a:rPr>
-              <a:t>&lt;date/time&gt;</a:t>
-            </a:r>
-            <a:endParaRPr b="1" lang="en-US" sz="1800" spc="-1" strike="noStrike">
-              <a:solidFill>
-                <a:srgbClr val="e74c3c"/>
-              </a:solidFill>
-              <a:latin typeface="Noto Sans Black"/>
-            </a:endParaRPr>
-          </a:p>
-        </p:txBody>
-      </p:sp>
-      <p:sp>
-        <p:nvSpPr>
-          <p:cNvPr id="49" name="PlaceHolder 5"/>
-          <p:cNvSpPr>
-            <a:spLocks noGrp="1"/>
-          </p:cNvSpPr>
-          <p:nvPr>
-            <p:ph type="ftr"/>
-          </p:nvPr>
-        </p:nvSpPr>
-        <p:spPr>
-          <a:xfrm>
-            <a:off x="1080000" y="6840000"/>
-            <a:ext cx="3240000" cy="540000"/>
-          </a:xfrm>
-          <a:prstGeom prst="rect">
-            <a:avLst/>
-          </a:prstGeom>
-        </p:spPr>
-        <p:txBody>
-          <a:bodyPr lIns="0" rIns="0" tIns="0" bIns="0" anchor="ctr">
-            <a:noAutofit/>
-          </a:bodyPr>
-          <a:p>
-            <a:pPr algn="ctr"/>
-            <a:r>
-              <a:rPr b="1" lang="en-US" sz="1800" spc="-1" strike="noStrike">
-                <a:solidFill>
-                  <a:srgbClr val="e74c3c"/>
-                </a:solidFill>
-                <a:latin typeface="Noto Sans Black"/>
-              </a:rPr>
-              <a:t>&lt;footer&gt;</a:t>
-            </a:r>
-            <a:endParaRPr b="1" lang="en-US" sz="1800" spc="-1" strike="noStrike">
-              <a:solidFill>
-                <a:srgbClr val="e74c3c"/>
-              </a:solidFill>
-              <a:latin typeface="Noto Sans Black"/>
-            </a:endParaRPr>
-          </a:p>
-        </p:txBody>
-      </p:sp>
-      <p:sp>
-        <p:nvSpPr>
-          <p:cNvPr id="50" name="PlaceHolder 6"/>
-          <p:cNvSpPr>
-            <a:spLocks noGrp="1"/>
-          </p:cNvSpPr>
-          <p:nvPr>
-            <p:ph type="sldNum"/>
-          </p:nvPr>
-        </p:nvSpPr>
-        <p:spPr>
-          <a:xfrm>
-            <a:off x="180000" y="6840000"/>
-            <a:ext cx="540000" cy="540000"/>
-          </a:xfrm>
-          <a:prstGeom prst="rect">
-            <a:avLst/>
-          </a:prstGeom>
-        </p:spPr>
-        <p:txBody>
-          <a:bodyPr lIns="0" rIns="0" tIns="0" bIns="0">
-            <a:noAutofit/>
-          </a:bodyPr>
-          <a:p>
-            <a:pPr algn="r"/>
-            <a:fld id="{8F15EF2D-CC1F-45AE-9179-A553E1ECCED5}" type="slidenum">
-              <a:rPr b="1" lang="en-US" sz="1800" spc="-1" strike="noStrike">
-                <a:solidFill>
-                  <a:srgbClr val="e74c3c"/>
-                </a:solidFill>
-                <a:latin typeface="Noto Sans Black"/>
-              </a:rPr>
-              <a:t>&lt;number&gt;</a:t>
-            </a:fld>
-            <a:endParaRPr b="1" lang="en-US" sz="1800" spc="-1" strike="noStrike">
-              <a:solidFill>
-                <a:srgbClr val="e74c3c"/>
-              </a:solidFill>
-              <a:latin typeface="Noto Sans Black"/>
+            <a:endParaRPr b="0" lang="en-US" sz="1800" spc="-1" strike="noStrike">
+              <a:latin typeface="Arial"/>
             </a:endParaRPr>
           </a:p>
         </p:txBody>
@@ -3855,14 +3394,14 @@
       </p:grpSpPr>
       <p:sp>
         <p:nvSpPr>
-          <p:cNvPr id="87" name="TextShape 1"/>
-          <p:cNvSpPr txBox="1"/>
+          <p:cNvPr id="81" name="CustomShape 1"/>
+          <p:cNvSpPr/>
           <p:nvPr/>
         </p:nvSpPr>
         <p:spPr>
           <a:xfrm>
             <a:off x="360000" y="3330000"/>
-            <a:ext cx="9360000" cy="900000"/>
+            <a:ext cx="9359640" cy="899640"/>
           </a:xfrm>
           <a:prstGeom prst="rect">
             <a:avLst/>
@@ -3872,11 +3411,22 @@
             <a:noFill/>
           </a:ln>
         </p:spPr>
+        <p:style>
+          <a:lnRef idx="0"/>
+          <a:fillRef idx="0"/>
+          <a:effectRef idx="0"/>
+          <a:fontRef idx="minor"/>
+        </p:style>
         <p:txBody>
           <a:bodyPr lIns="0" rIns="0" tIns="0" bIns="0" anchor="b">
             <a:noAutofit/>
           </a:bodyPr>
           <a:p>
+            <a:pPr>
+              <a:lnSpc>
+                <a:spcPct val="100000"/>
+              </a:lnSpc>
+            </a:pPr>
             <a:r>
               <a:rPr b="1" lang="en-US" sz="3200" spc="-1" strike="noStrike">
                 <a:solidFill>
@@ -3886,25 +3436,22 @@
               </a:rPr>
               <a:t>Universal Pie Time</a:t>
             </a:r>
-            <a:endParaRPr b="1" lang="en-US" sz="3200" spc="-1" strike="noStrike">
-              <a:solidFill>
-                <a:srgbClr val="ffffff"/>
-              </a:solidFill>
-              <a:latin typeface="Noto Sans Black"/>
-            </a:endParaRPr>
-          </a:p>
-        </p:txBody>
-      </p:sp>
-      <p:sp>
-        <p:nvSpPr>
-          <p:cNvPr id="88" name="TextShape 2"/>
-          <p:cNvSpPr txBox="1"/>
+            <a:endParaRPr b="0" lang="en-US" sz="3200" spc="-1" strike="noStrike">
+              <a:latin typeface="Arial"/>
+            </a:endParaRPr>
+          </a:p>
+        </p:txBody>
+      </p:sp>
+      <p:sp>
+        <p:nvSpPr>
+          <p:cNvPr id="82" name="CustomShape 2"/>
+          <p:cNvSpPr/>
           <p:nvPr/>
         </p:nvSpPr>
         <p:spPr>
           <a:xfrm>
             <a:off x="540000" y="4680000"/>
-            <a:ext cx="9180000" cy="2520000"/>
+            <a:ext cx="9179640" cy="2519640"/>
           </a:xfrm>
           <a:prstGeom prst="rect">
             <a:avLst/>
@@ -3914,11 +3461,22 @@
             <a:noFill/>
           </a:ln>
         </p:spPr>
+        <p:style>
+          <a:lnRef idx="0"/>
+          <a:fillRef idx="0"/>
+          <a:effectRef idx="0"/>
+          <a:fontRef idx="minor"/>
+        </p:style>
         <p:txBody>
           <a:bodyPr lIns="0" rIns="0" tIns="0" bIns="0">
             <a:noAutofit/>
           </a:bodyPr>
           <a:p>
+            <a:pPr>
+              <a:lnSpc>
+                <a:spcPct val="100000"/>
+              </a:lnSpc>
+            </a:pPr>
             <a:r>
               <a:rPr b="0" lang="en-US" sz="2200" spc="-1" strike="noStrike">
                 <a:solidFill>
@@ -3929,10 +3487,7 @@
               <a:t>Fixing Nutritional Imbalance by shipping pies everywhere, every time</a:t>
             </a:r>
             <a:endParaRPr b="0" lang="en-US" sz="2200" spc="-1" strike="noStrike">
-              <a:solidFill>
-                <a:srgbClr val="1c1c1c"/>
-              </a:solidFill>
-              <a:latin typeface="Noto Sans Light"/>
+              <a:latin typeface="Arial"/>
             </a:endParaRPr>
           </a:p>
         </p:txBody>
@@ -3969,14 +3524,14 @@
       </p:grpSpPr>
       <p:sp>
         <p:nvSpPr>
-          <p:cNvPr id="89" name="TextShape 1"/>
-          <p:cNvSpPr txBox="1"/>
+          <p:cNvPr id="83" name="CustomShape 1"/>
+          <p:cNvSpPr/>
           <p:nvPr/>
         </p:nvSpPr>
         <p:spPr>
           <a:xfrm>
             <a:off x="360000" y="360000"/>
-            <a:ext cx="9360000" cy="900000"/>
+            <a:ext cx="9359640" cy="899640"/>
           </a:xfrm>
           <a:prstGeom prst="rect">
             <a:avLst/>
@@ -3986,11 +3541,22 @@
             <a:noFill/>
           </a:ln>
         </p:spPr>
+        <p:style>
+          <a:lnRef idx="0"/>
+          <a:fillRef idx="0"/>
+          <a:effectRef idx="0"/>
+          <a:fontRef idx="minor"/>
+        </p:style>
         <p:txBody>
           <a:bodyPr lIns="0" rIns="0" tIns="0" bIns="0" anchor="b">
             <a:noAutofit/>
           </a:bodyPr>
           <a:p>
+            <a:pPr>
+              <a:lnSpc>
+                <a:spcPct val="100000"/>
+              </a:lnSpc>
+            </a:pPr>
             <a:r>
               <a:rPr b="1" lang="en-US" sz="3200" spc="-1" strike="noStrike">
                 <a:solidFill>
@@ -4000,25 +3566,22 @@
               </a:rPr>
               <a:t>What are we?</a:t>
             </a:r>
-            <a:endParaRPr b="1" lang="en-US" sz="3200" spc="-1" strike="noStrike">
-              <a:solidFill>
-                <a:srgbClr val="ffffff"/>
-              </a:solidFill>
-              <a:latin typeface="Noto Sans Black"/>
-            </a:endParaRPr>
-          </a:p>
-        </p:txBody>
-      </p:sp>
-      <p:sp>
-        <p:nvSpPr>
-          <p:cNvPr id="90" name="TextShape 2"/>
-          <p:cNvSpPr txBox="1"/>
+            <a:endParaRPr b="0" lang="en-US" sz="3200" spc="-1" strike="noStrike">
+              <a:latin typeface="Arial"/>
+            </a:endParaRPr>
+          </a:p>
+        </p:txBody>
+      </p:sp>
+      <p:sp>
+        <p:nvSpPr>
+          <p:cNvPr id="84" name="CustomShape 2"/>
+          <p:cNvSpPr/>
           <p:nvPr/>
         </p:nvSpPr>
         <p:spPr>
           <a:xfrm>
             <a:off x="360000" y="1980000"/>
-            <a:ext cx="9180000" cy="4680000"/>
+            <a:ext cx="9179640" cy="4679640"/>
           </a:xfrm>
           <a:prstGeom prst="rect">
             <a:avLst/>
@@ -4028,12 +3591,21 @@
             <a:noFill/>
           </a:ln>
         </p:spPr>
-        <p:txBody>
-          <a:bodyPr lIns="0" rIns="0" tIns="0" bIns="0">
-            <a:normAutofit/>
-          </a:bodyPr>
-          <a:p>
-            <a:pPr marL="216000" indent="-216000">
+        <p:style>
+          <a:lnRef idx="0"/>
+          <a:fillRef idx="0"/>
+          <a:effectRef idx="0"/>
+          <a:fontRef idx="minor"/>
+        </p:style>
+        <p:txBody>
+          <a:bodyPr lIns="0" rIns="0" tIns="0" bIns="0">
+            <a:normAutofit/>
+          </a:bodyPr>
+          <a:p>
+            <a:pPr marL="216000" indent="-215640">
+              <a:lnSpc>
+                <a:spcPct val="100000"/>
+              </a:lnSpc>
               <a:spcAft>
                 <a:spcPts val="1142"/>
               </a:spcAft>
@@ -4053,15 +3625,15 @@
               </a:rPr>
               <a:t>People starving is bad</a:t>
             </a:r>
-            <a:endParaRPr b="1" lang="en-US" sz="2600" spc="-1" strike="noStrike">
-              <a:solidFill>
-                <a:srgbClr val="1c1c1c"/>
-              </a:solidFill>
-              <a:latin typeface="Noto Sans SemiBold"/>
-            </a:endParaRPr>
-          </a:p>
-          <a:p>
-            <a:pPr marL="216000" indent="-216000">
+            <a:endParaRPr b="0" lang="en-US" sz="2600" spc="-1" strike="noStrike">
+              <a:latin typeface="Arial"/>
+            </a:endParaRPr>
+          </a:p>
+          <a:p>
+            <a:pPr marL="216000" indent="-215640">
+              <a:lnSpc>
+                <a:spcPct val="100000"/>
+              </a:lnSpc>
               <a:spcAft>
                 <a:spcPts val="1142"/>
               </a:spcAft>
@@ -4081,15 +3653,15 @@
               </a:rPr>
               <a:t>Nutritional balance is important</a:t>
             </a:r>
-            <a:endParaRPr b="1" lang="en-US" sz="2600" spc="-1" strike="noStrike">
-              <a:solidFill>
-                <a:srgbClr val="1c1c1c"/>
-              </a:solidFill>
-              <a:latin typeface="Noto Sans SemiBold"/>
-            </a:endParaRPr>
-          </a:p>
-          <a:p>
-            <a:pPr marL="216000" indent="-216000">
+            <a:endParaRPr b="0" lang="en-US" sz="2600" spc="-1" strike="noStrike">
+              <a:latin typeface="Arial"/>
+            </a:endParaRPr>
+          </a:p>
+          <a:p>
+            <a:pPr marL="216000" indent="-215640">
+              <a:lnSpc>
+                <a:spcPct val="100000"/>
+              </a:lnSpc>
               <a:spcAft>
                 <a:spcPts val="1142"/>
               </a:spcAft>
@@ -4109,15 +3681,15 @@
               </a:rPr>
               <a:t>Countries aren’t currently balanced</a:t>
             </a:r>
-            <a:endParaRPr b="1" lang="en-US" sz="2600" spc="-1" strike="noStrike">
-              <a:solidFill>
-                <a:srgbClr val="1c1c1c"/>
-              </a:solidFill>
-              <a:latin typeface="Noto Sans SemiBold"/>
-            </a:endParaRPr>
-          </a:p>
-          <a:p>
-            <a:pPr marL="216000" indent="-216000">
+            <a:endParaRPr b="0" lang="en-US" sz="2600" spc="-1" strike="noStrike">
+              <a:latin typeface="Arial"/>
+            </a:endParaRPr>
+          </a:p>
+          <a:p>
+            <a:pPr marL="216000" indent="-215640">
+              <a:lnSpc>
+                <a:spcPct val="100000"/>
+              </a:lnSpc>
               <a:spcAft>
                 <a:spcPts val="1142"/>
               </a:spcAft>
@@ -4137,11 +3709,8 @@
               </a:rPr>
               <a:t>WE WILL FIX THAT</a:t>
             </a:r>
-            <a:endParaRPr b="1" lang="en-US" sz="2600" spc="-1" strike="noStrike">
-              <a:solidFill>
-                <a:srgbClr val="1c1c1c"/>
-              </a:solidFill>
-              <a:latin typeface="Noto Sans SemiBold"/>
+            <a:endParaRPr b="0" lang="en-US" sz="2600" spc="-1" strike="noStrike">
+              <a:latin typeface="Arial"/>
             </a:endParaRPr>
           </a:p>
         </p:txBody>
@@ -4178,14 +3747,14 @@
       </p:grpSpPr>
       <p:sp>
         <p:nvSpPr>
-          <p:cNvPr id="91" name="TextShape 1"/>
-          <p:cNvSpPr txBox="1"/>
+          <p:cNvPr id="85" name="CustomShape 1"/>
+          <p:cNvSpPr/>
           <p:nvPr/>
         </p:nvSpPr>
         <p:spPr>
           <a:xfrm>
             <a:off x="360000" y="360000"/>
-            <a:ext cx="9360000" cy="900000"/>
+            <a:ext cx="9359640" cy="899640"/>
           </a:xfrm>
           <a:prstGeom prst="rect">
             <a:avLst/>
@@ -4195,11 +3764,22 @@
             <a:noFill/>
           </a:ln>
         </p:spPr>
+        <p:style>
+          <a:lnRef idx="0"/>
+          <a:fillRef idx="0"/>
+          <a:effectRef idx="0"/>
+          <a:fontRef idx="minor"/>
+        </p:style>
         <p:txBody>
           <a:bodyPr lIns="0" rIns="0" tIns="0" bIns="0" anchor="b">
             <a:noAutofit/>
           </a:bodyPr>
           <a:p>
+            <a:pPr>
+              <a:lnSpc>
+                <a:spcPct val="100000"/>
+              </a:lnSpc>
+            </a:pPr>
             <a:r>
               <a:rPr b="1" lang="en-US" sz="3200" spc="-1" strike="noStrike">
                 <a:solidFill>
@@ -4209,18 +3789,15 @@
               </a:rPr>
               <a:t>Countries aren’t balanced</a:t>
             </a:r>
-            <a:endParaRPr b="1" lang="en-US" sz="3200" spc="-1" strike="noStrike">
-              <a:solidFill>
-                <a:srgbClr val="ffffff"/>
-              </a:solidFill>
-              <a:latin typeface="Noto Sans Black"/>
+            <a:endParaRPr b="0" lang="en-US" sz="3200" spc="-1" strike="noStrike">
+              <a:latin typeface="Arial"/>
             </a:endParaRPr>
           </a:p>
         </p:txBody>
       </p:sp>
       <p:pic>
         <p:nvPicPr>
-          <p:cNvPr id="92" name="" descr=""/>
+          <p:cNvPr id="86" name="" descr=""/>
           <p:cNvPicPr/>
           <p:nvPr/>
         </p:nvPicPr>
@@ -4231,7 +3808,7 @@
         <p:spPr>
           <a:xfrm>
             <a:off x="0" y="1463040"/>
-            <a:ext cx="5211720" cy="5303160"/>
+            <a:ext cx="5211360" cy="5302800"/>
           </a:xfrm>
           <a:prstGeom prst="rect">
             <a:avLst/>
@@ -4243,7 +3820,7 @@
       </p:pic>
       <p:pic>
         <p:nvPicPr>
-          <p:cNvPr id="93" name="" descr=""/>
+          <p:cNvPr id="87" name="" descr=""/>
           <p:cNvPicPr/>
           <p:nvPr/>
         </p:nvPicPr>
@@ -4254,7 +3831,7 @@
         <p:spPr>
           <a:xfrm>
             <a:off x="5029200" y="1463040"/>
-            <a:ext cx="5059080" cy="5303520"/>
+            <a:ext cx="5058720" cy="5303160"/>
           </a:xfrm>
           <a:prstGeom prst="rect">
             <a:avLst/>
@@ -4296,14 +3873,14 @@
       </p:grpSpPr>
       <p:sp>
         <p:nvSpPr>
-          <p:cNvPr id="94" name="TextShape 1"/>
-          <p:cNvSpPr txBox="1"/>
+          <p:cNvPr id="88" name="CustomShape 1"/>
+          <p:cNvSpPr/>
           <p:nvPr/>
         </p:nvSpPr>
         <p:spPr>
           <a:xfrm>
             <a:off x="360000" y="360000"/>
-            <a:ext cx="9360000" cy="900000"/>
+            <a:ext cx="9359640" cy="899640"/>
           </a:xfrm>
           <a:prstGeom prst="rect">
             <a:avLst/>
@@ -4313,11 +3890,22 @@
             <a:noFill/>
           </a:ln>
         </p:spPr>
+        <p:style>
+          <a:lnRef idx="0"/>
+          <a:fillRef idx="0"/>
+          <a:effectRef idx="0"/>
+          <a:fontRef idx="minor"/>
+        </p:style>
         <p:txBody>
           <a:bodyPr lIns="0" rIns="0" tIns="0" bIns="0" anchor="b">
             <a:noAutofit/>
           </a:bodyPr>
           <a:p>
+            <a:pPr>
+              <a:lnSpc>
+                <a:spcPct val="100000"/>
+              </a:lnSpc>
+            </a:pPr>
             <a:r>
               <a:rPr b="1" lang="en-US" sz="3200" spc="-1" strike="noStrike">
                 <a:solidFill>
@@ -4327,18 +3915,15 @@
               </a:rPr>
               <a:t>What’s the problem here?</a:t>
             </a:r>
-            <a:endParaRPr b="1" lang="en-US" sz="3200" spc="-1" strike="noStrike">
-              <a:solidFill>
-                <a:srgbClr val="ffffff"/>
-              </a:solidFill>
-              <a:latin typeface="Noto Sans Black"/>
+            <a:endParaRPr b="0" lang="en-US" sz="3200" spc="-1" strike="noStrike">
+              <a:latin typeface="Arial"/>
             </a:endParaRPr>
           </a:p>
         </p:txBody>
       </p:sp>
       <p:pic>
         <p:nvPicPr>
-          <p:cNvPr id="95" name="" descr=""/>
+          <p:cNvPr id="89" name="" descr=""/>
           <p:cNvPicPr/>
           <p:nvPr/>
         </p:nvPicPr>
@@ -4349,7 +3934,7 @@
         <p:spPr>
           <a:xfrm>
             <a:off x="4846320" y="1463040"/>
-            <a:ext cx="5120640" cy="4205880"/>
+            <a:ext cx="5120280" cy="4205520"/>
           </a:xfrm>
           <a:prstGeom prst="rect">
             <a:avLst/>
@@ -4361,14 +3946,14 @@
       </p:pic>
       <p:sp>
         <p:nvSpPr>
-          <p:cNvPr id="96" name="TextShape 2"/>
-          <p:cNvSpPr txBox="1"/>
+          <p:cNvPr id="90" name="CustomShape 2"/>
+          <p:cNvSpPr/>
           <p:nvPr/>
         </p:nvSpPr>
         <p:spPr>
           <a:xfrm>
             <a:off x="91440" y="2103120"/>
-            <a:ext cx="4846320" cy="3474720"/>
+            <a:ext cx="4845960" cy="3474360"/>
           </a:xfrm>
           <a:prstGeom prst="rect">
             <a:avLst/>
@@ -4378,12 +3963,21 @@
             <a:noFill/>
           </a:ln>
         </p:spPr>
-        <p:txBody>
-          <a:bodyPr lIns="0" rIns="0" tIns="0" bIns="0">
-            <a:normAutofit/>
-          </a:bodyPr>
-          <a:p>
-            <a:pPr marL="216000" indent="-216000">
+        <p:style>
+          <a:lnRef idx="0"/>
+          <a:fillRef idx="0"/>
+          <a:effectRef idx="0"/>
+          <a:fontRef idx="minor"/>
+        </p:style>
+        <p:txBody>
+          <a:bodyPr lIns="0" rIns="0" tIns="0" bIns="0">
+            <a:normAutofit/>
+          </a:bodyPr>
+          <a:p>
+            <a:pPr marL="216000" indent="-215640">
+              <a:lnSpc>
+                <a:spcPct val="100000"/>
+              </a:lnSpc>
               <a:spcAft>
                 <a:spcPts val="1142"/>
               </a:spcAft>
@@ -4401,26 +3995,17 @@
                 </a:solidFill>
                 <a:latin typeface="Noto Sans SemiBold"/>
               </a:rPr>
-              <a:t>Vegetables and Fruits are equal on the food </a:t>
+              <a:t>Vegetables and Fruits are equal on the food pyramid</a:t>
             </a:r>
-            <a:r>
-              <a:rPr b="1" lang="en-US" sz="2600" spc="-1" strike="noStrike">
-                <a:solidFill>
-                  <a:srgbClr val="1c1c1c"/>
-                </a:solidFill>
-                <a:latin typeface="Noto Sans SemiBold"/>
-              </a:rPr>
-              <a:t>pyramid</a:t>
-            </a:r>
-            <a:endParaRPr b="1" lang="en-US" sz="2600" spc="-1" strike="noStrike">
-              <a:solidFill>
-                <a:srgbClr val="1c1c1c"/>
-              </a:solidFill>
-              <a:latin typeface="Noto Sans SemiBold"/>
-            </a:endParaRPr>
-          </a:p>
-          <a:p>
-            <a:pPr marL="216000" indent="-216000">
+            <a:endParaRPr b="0" lang="en-US" sz="2600" spc="-1" strike="noStrike">
+              <a:latin typeface="Arial"/>
+            </a:endParaRPr>
+          </a:p>
+          <a:p>
+            <a:pPr marL="216000" indent="-215640">
+              <a:lnSpc>
+                <a:spcPct val="100000"/>
+              </a:lnSpc>
               <a:spcAft>
                 <a:spcPts val="1142"/>
               </a:spcAft>
@@ -4440,15 +4025,15 @@
               </a:rPr>
               <a:t>Food pyramids don’t change by country</a:t>
             </a:r>
-            <a:endParaRPr b="1" lang="en-US" sz="2600" spc="-1" strike="noStrike">
-              <a:solidFill>
-                <a:srgbClr val="1c1c1c"/>
-              </a:solidFill>
-              <a:latin typeface="Noto Sans SemiBold"/>
-            </a:endParaRPr>
-          </a:p>
-          <a:p>
-            <a:pPr marL="216000" indent="-216000">
+            <a:endParaRPr b="0" lang="en-US" sz="2600" spc="-1" strike="noStrike">
+              <a:latin typeface="Arial"/>
+            </a:endParaRPr>
+          </a:p>
+          <a:p>
+            <a:pPr marL="216000" indent="-215640">
+              <a:lnSpc>
+                <a:spcPct val="100000"/>
+              </a:lnSpc>
               <a:spcAft>
                 <a:spcPts val="1142"/>
               </a:spcAft>
@@ -4466,27 +4051,24 @@
                 </a:solidFill>
                 <a:latin typeface="Noto Sans SemiBold"/>
               </a:rPr>
-              <a:t>Look at that fruit by country line thingy</a:t>
+              <a:t>Look at that fruit by country bar chart</a:t>
             </a:r>
-            <a:endParaRPr b="1" lang="en-US" sz="2600" spc="-1" strike="noStrike">
-              <a:solidFill>
-                <a:srgbClr val="1c1c1c"/>
-              </a:solidFill>
-              <a:latin typeface="Noto Sans SemiBold"/>
-            </a:endParaRPr>
-          </a:p>
-        </p:txBody>
-      </p:sp>
-      <p:sp>
-        <p:nvSpPr>
-          <p:cNvPr id="97" name="TextShape 3"/>
-          <p:cNvSpPr txBox="1"/>
+            <a:endParaRPr b="0" lang="en-US" sz="2600" spc="-1" strike="noStrike">
+              <a:latin typeface="Arial"/>
+            </a:endParaRPr>
+          </a:p>
+        </p:txBody>
+      </p:sp>
+      <p:sp>
+        <p:nvSpPr>
+          <p:cNvPr id="91" name="CustomShape 3"/>
+          <p:cNvSpPr/>
           <p:nvPr/>
         </p:nvSpPr>
         <p:spPr>
           <a:xfrm>
             <a:off x="6273360" y="5669280"/>
-            <a:ext cx="3602160" cy="1463040"/>
+            <a:ext cx="3601800" cy="1462680"/>
           </a:xfrm>
           <a:prstGeom prst="rect">
             <a:avLst/>
@@ -4496,12 +4078,21 @@
             <a:noFill/>
           </a:ln>
         </p:spPr>
+        <p:style>
+          <a:lnRef idx="0"/>
+          <a:fillRef idx="0"/>
+          <a:effectRef idx="0"/>
+          <a:fontRef idx="minor"/>
+        </p:style>
         <p:txBody>
           <a:bodyPr lIns="0" rIns="0" tIns="0" bIns="0">
             <a:normAutofit/>
           </a:bodyPr>
           <a:p>
             <a:pPr>
+              <a:lnSpc>
+                <a:spcPct val="100000"/>
+              </a:lnSpc>
               <a:spcAft>
                 <a:spcPts val="1142"/>
               </a:spcAft>
@@ -4515,11 +4106,8 @@
               </a:rPr>
               <a:t>These fruit lines are too different</a:t>
             </a:r>
-            <a:endParaRPr b="1" lang="en-US" sz="1800" spc="-1" strike="noStrike">
-              <a:solidFill>
-                <a:srgbClr val="1c1c1c"/>
-              </a:solidFill>
-              <a:latin typeface="Noto Sans SemiBold"/>
+            <a:endParaRPr b="0" lang="en-US" sz="1800" spc="-1" strike="noStrike">
+              <a:latin typeface="Arial"/>
             </a:endParaRPr>
           </a:p>
         </p:txBody>
@@ -4556,14 +4144,14 @@
       </p:grpSpPr>
       <p:sp>
         <p:nvSpPr>
-          <p:cNvPr id="98" name="TextShape 1"/>
-          <p:cNvSpPr txBox="1"/>
+          <p:cNvPr id="92" name="CustomShape 1"/>
+          <p:cNvSpPr/>
           <p:nvPr/>
         </p:nvSpPr>
         <p:spPr>
           <a:xfrm>
             <a:off x="360000" y="360000"/>
-            <a:ext cx="9360000" cy="900000"/>
+            <a:ext cx="9359640" cy="899640"/>
           </a:xfrm>
           <a:prstGeom prst="rect">
             <a:avLst/>
@@ -4573,11 +4161,22 @@
             <a:noFill/>
           </a:ln>
         </p:spPr>
+        <p:style>
+          <a:lnRef idx="0"/>
+          <a:fillRef idx="0"/>
+          <a:effectRef idx="0"/>
+          <a:fontRef idx="minor"/>
+        </p:style>
         <p:txBody>
           <a:bodyPr lIns="0" rIns="0" tIns="0" bIns="0" anchor="b">
             <a:noAutofit/>
           </a:bodyPr>
           <a:p>
+            <a:pPr>
+              <a:lnSpc>
+                <a:spcPct val="100000"/>
+              </a:lnSpc>
+            </a:pPr>
             <a:r>
               <a:rPr b="1" lang="en-US" sz="3200" spc="-1" strike="noStrike">
                 <a:solidFill>
@@ -4587,25 +4186,22 @@
               </a:rPr>
               <a:t>Why should I care?</a:t>
             </a:r>
-            <a:endParaRPr b="1" lang="en-US" sz="3200" spc="-1" strike="noStrike">
-              <a:solidFill>
-                <a:srgbClr val="ffffff"/>
-              </a:solidFill>
-              <a:latin typeface="Noto Sans Black"/>
-            </a:endParaRPr>
-          </a:p>
-        </p:txBody>
-      </p:sp>
-      <p:sp>
-        <p:nvSpPr>
-          <p:cNvPr id="99" name="TextShape 2"/>
-          <p:cNvSpPr txBox="1"/>
+            <a:endParaRPr b="0" lang="en-US" sz="3200" spc="-1" strike="noStrike">
+              <a:latin typeface="Arial"/>
+            </a:endParaRPr>
+          </a:p>
+        </p:txBody>
+      </p:sp>
+      <p:sp>
+        <p:nvSpPr>
+          <p:cNvPr id="93" name="CustomShape 2"/>
+          <p:cNvSpPr/>
           <p:nvPr/>
         </p:nvSpPr>
         <p:spPr>
           <a:xfrm>
             <a:off x="182880" y="1661040"/>
-            <a:ext cx="4120560" cy="4922640"/>
+            <a:ext cx="4120200" cy="4922280"/>
           </a:xfrm>
           <a:prstGeom prst="rect">
             <a:avLst/>
@@ -4615,12 +4211,21 @@
             <a:noFill/>
           </a:ln>
         </p:spPr>
-        <p:txBody>
-          <a:bodyPr lIns="0" rIns="0" tIns="0" bIns="0">
-            <a:normAutofit/>
-          </a:bodyPr>
-          <a:p>
-            <a:pPr marL="216000" indent="-216000">
+        <p:style>
+          <a:lnRef idx="0"/>
+          <a:fillRef idx="0"/>
+          <a:effectRef idx="0"/>
+          <a:fontRef idx="minor"/>
+        </p:style>
+        <p:txBody>
+          <a:bodyPr lIns="0" rIns="0" tIns="0" bIns="0">
+            <a:normAutofit/>
+          </a:bodyPr>
+          <a:p>
+            <a:pPr marL="216000" indent="-215640">
+              <a:lnSpc>
+                <a:spcPct val="100000"/>
+              </a:lnSpc>
               <a:spcAft>
                 <a:spcPts val="1142"/>
               </a:spcAft>
@@ -4640,15 +4245,15 @@
               </a:rPr>
               <a:t>You can donate money to help</a:t>
             </a:r>
-            <a:endParaRPr b="1" lang="en-US" sz="2600" spc="-1" strike="noStrike">
-              <a:solidFill>
-                <a:srgbClr val="1c1c1c"/>
-              </a:solidFill>
-              <a:latin typeface="Noto Sans SemiBold"/>
-            </a:endParaRPr>
-          </a:p>
-          <a:p>
-            <a:pPr marL="216000" indent="-216000">
+            <a:endParaRPr b="0" lang="en-US" sz="2600" spc="-1" strike="noStrike">
+              <a:latin typeface="Arial"/>
+            </a:endParaRPr>
+          </a:p>
+          <a:p>
+            <a:pPr marL="216000" indent="-215640">
+              <a:lnSpc>
+                <a:spcPct val="100000"/>
+              </a:lnSpc>
               <a:spcAft>
                 <a:spcPts val="1142"/>
               </a:spcAft>
@@ -4666,17 +4271,17 @@
                 </a:solidFill>
                 <a:latin typeface="Noto Sans SemiBold"/>
               </a:rPr>
-              <a:t>You have too much fruit and vegetables if you’re seeing this</a:t>
+              <a:t>You probably have too many fruits and vegetables</a:t>
             </a:r>
-            <a:endParaRPr b="1" lang="en-US" sz="2600" spc="-1" strike="noStrike">
-              <a:solidFill>
-                <a:srgbClr val="1c1c1c"/>
-              </a:solidFill>
-              <a:latin typeface="Noto Sans SemiBold"/>
-            </a:endParaRPr>
-          </a:p>
-          <a:p>
-            <a:pPr marL="216000" indent="-216000">
+            <a:endParaRPr b="0" lang="en-US" sz="2600" spc="-1" strike="noStrike">
+              <a:latin typeface="Arial"/>
+            </a:endParaRPr>
+          </a:p>
+          <a:p>
+            <a:pPr marL="216000" indent="-215640">
+              <a:lnSpc>
+                <a:spcPct val="100000"/>
+              </a:lnSpc>
               <a:spcAft>
                 <a:spcPts val="1142"/>
               </a:spcAft>
@@ -4694,20 +4299,17 @@
                 </a:solidFill>
                 <a:latin typeface="Noto Sans SemiBold"/>
               </a:rPr>
-              <a:t>With your money we can move the fruits</a:t>
+              <a:t>With your money we can move them</a:t>
             </a:r>
-            <a:endParaRPr b="1" lang="en-US" sz="2600" spc="-1" strike="noStrike">
-              <a:solidFill>
-                <a:srgbClr val="1c1c1c"/>
-              </a:solidFill>
-              <a:latin typeface="Noto Sans SemiBold"/>
+            <a:endParaRPr b="0" lang="en-US" sz="2600" spc="-1" strike="noStrike">
+              <a:latin typeface="Arial"/>
             </a:endParaRPr>
           </a:p>
         </p:txBody>
       </p:sp>
       <p:pic>
         <p:nvPicPr>
-          <p:cNvPr id="100" name="" descr=""/>
+          <p:cNvPr id="94" name="" descr=""/>
           <p:cNvPicPr/>
           <p:nvPr/>
         </p:nvPicPr>
@@ -4718,7 +4320,7 @@
         <p:spPr>
           <a:xfrm>
             <a:off x="4206240" y="1463040"/>
-            <a:ext cx="5851800" cy="4388760"/>
+            <a:ext cx="5851440" cy="4388400"/>
           </a:xfrm>
           <a:prstGeom prst="rect">
             <a:avLst/>
@@ -4730,14 +4332,14 @@
       </p:pic>
       <p:sp>
         <p:nvSpPr>
-          <p:cNvPr id="101" name="TextShape 3"/>
-          <p:cNvSpPr txBox="1"/>
+          <p:cNvPr id="95" name="CustomShape 3"/>
+          <p:cNvSpPr/>
           <p:nvPr/>
         </p:nvSpPr>
         <p:spPr>
           <a:xfrm>
             <a:off x="6273360" y="5669280"/>
-            <a:ext cx="3602160" cy="1463040"/>
+            <a:ext cx="3601800" cy="1462680"/>
           </a:xfrm>
           <a:prstGeom prst="rect">
             <a:avLst/>
@@ -4747,12 +4349,21 @@
             <a:noFill/>
           </a:ln>
         </p:spPr>
+        <p:style>
+          <a:lnRef idx="0"/>
+          <a:fillRef idx="0"/>
+          <a:effectRef idx="0"/>
+          <a:fontRef idx="minor"/>
+        </p:style>
         <p:txBody>
           <a:bodyPr lIns="0" rIns="0" tIns="0" bIns="0">
             <a:normAutofit/>
           </a:bodyPr>
           <a:p>
             <a:pPr>
+              <a:lnSpc>
+                <a:spcPct val="100000"/>
+              </a:lnSpc>
               <a:spcAft>
                 <a:spcPts val="1142"/>
               </a:spcAft>
@@ -4766,11 +4377,8 @@
               </a:rPr>
               <a:t>These vegetables are even worse!</a:t>
             </a:r>
-            <a:endParaRPr b="1" lang="en-US" sz="1800" spc="-1" strike="noStrike">
-              <a:solidFill>
-                <a:srgbClr val="1c1c1c"/>
-              </a:solidFill>
-              <a:latin typeface="Noto Sans SemiBold"/>
+            <a:endParaRPr b="0" lang="en-US" sz="1800" spc="-1" strike="noStrike">
+              <a:latin typeface="Arial"/>
             </a:endParaRPr>
           </a:p>
         </p:txBody>
@@ -4807,14 +4415,14 @@
       </p:grpSpPr>
       <p:sp>
         <p:nvSpPr>
-          <p:cNvPr id="102" name="TextShape 1"/>
-          <p:cNvSpPr txBox="1"/>
+          <p:cNvPr id="96" name="CustomShape 1"/>
+          <p:cNvSpPr/>
           <p:nvPr/>
         </p:nvSpPr>
         <p:spPr>
           <a:xfrm>
             <a:off x="360000" y="360000"/>
-            <a:ext cx="9360000" cy="900000"/>
+            <a:ext cx="9359640" cy="899640"/>
           </a:xfrm>
           <a:prstGeom prst="rect">
             <a:avLst/>
@@ -4824,11 +4432,22 @@
             <a:noFill/>
           </a:ln>
         </p:spPr>
+        <p:style>
+          <a:lnRef idx="0"/>
+          <a:fillRef idx="0"/>
+          <a:effectRef idx="0"/>
+          <a:fontRef idx="minor"/>
+        </p:style>
         <p:txBody>
           <a:bodyPr lIns="0" rIns="0" tIns="0" bIns="0" anchor="b">
             <a:noAutofit/>
           </a:bodyPr>
           <a:p>
+            <a:pPr>
+              <a:lnSpc>
+                <a:spcPct val="100000"/>
+              </a:lnSpc>
+            </a:pPr>
             <a:r>
               <a:rPr b="1" lang="en-US" sz="3200" spc="-1" strike="noStrike">
                 <a:solidFill>
@@ -4838,18 +4457,15 @@
               </a:rPr>
               <a:t>Exemplifying Random Sample</a:t>
             </a:r>
-            <a:endParaRPr b="1" lang="en-US" sz="3200" spc="-1" strike="noStrike">
-              <a:solidFill>
-                <a:srgbClr val="ffffff"/>
-              </a:solidFill>
-              <a:latin typeface="Noto Sans Black"/>
+            <a:endParaRPr b="0" lang="en-US" sz="3200" spc="-1" strike="noStrike">
+              <a:latin typeface="Arial"/>
             </a:endParaRPr>
           </a:p>
         </p:txBody>
       </p:sp>
       <p:pic>
         <p:nvPicPr>
-          <p:cNvPr id="103" name="" descr=""/>
+          <p:cNvPr id="97" name="" descr=""/>
           <p:cNvPicPr/>
           <p:nvPr/>
         </p:nvPicPr>
@@ -4860,7 +4476,7 @@
         <p:spPr>
           <a:xfrm>
             <a:off x="4754880" y="1828800"/>
-            <a:ext cx="5120280" cy="4388760"/>
+            <a:ext cx="5119920" cy="4388400"/>
           </a:xfrm>
           <a:prstGeom prst="rect">
             <a:avLst/>
@@ -4872,7 +4488,7 @@
       </p:pic>
       <p:pic>
         <p:nvPicPr>
-          <p:cNvPr id="104" name="" descr=""/>
+          <p:cNvPr id="98" name="" descr=""/>
           <p:cNvPicPr/>
           <p:nvPr/>
         </p:nvPicPr>
@@ -4883,7 +4499,7 @@
         <p:spPr>
           <a:xfrm>
             <a:off x="0" y="1829160"/>
-            <a:ext cx="5120640" cy="4388760"/>
+            <a:ext cx="5120280" cy="4388400"/>
           </a:xfrm>
           <a:prstGeom prst="rect">
             <a:avLst/>
@@ -4925,14 +4541,14 @@
       </p:grpSpPr>
       <p:sp>
         <p:nvSpPr>
-          <p:cNvPr id="105" name="TextShape 1"/>
-          <p:cNvSpPr txBox="1"/>
+          <p:cNvPr id="99" name="CustomShape 1"/>
+          <p:cNvSpPr/>
           <p:nvPr/>
         </p:nvSpPr>
         <p:spPr>
           <a:xfrm>
             <a:off x="360000" y="360000"/>
-            <a:ext cx="9360000" cy="900000"/>
+            <a:ext cx="9359640" cy="899640"/>
           </a:xfrm>
           <a:prstGeom prst="rect">
             <a:avLst/>
@@ -4942,11 +4558,22 @@
             <a:noFill/>
           </a:ln>
         </p:spPr>
+        <p:style>
+          <a:lnRef idx="0"/>
+          <a:fillRef idx="0"/>
+          <a:effectRef idx="0"/>
+          <a:fontRef idx="minor"/>
+        </p:style>
         <p:txBody>
           <a:bodyPr lIns="0" rIns="0" tIns="0" bIns="0" anchor="b">
             <a:noAutofit/>
           </a:bodyPr>
           <a:p>
+            <a:pPr>
+              <a:lnSpc>
+                <a:spcPct val="100000"/>
+              </a:lnSpc>
+            </a:pPr>
             <a:r>
               <a:rPr b="1" lang="en-US" sz="3200" spc="-1" strike="noStrike">
                 <a:solidFill>
@@ -4956,25 +4583,22 @@
               </a:rPr>
               <a:t>What exactly will be done?</a:t>
             </a:r>
-            <a:endParaRPr b="1" lang="en-US" sz="3200" spc="-1" strike="noStrike">
-              <a:solidFill>
-                <a:srgbClr val="ffffff"/>
-              </a:solidFill>
-              <a:latin typeface="Noto Sans Black"/>
-            </a:endParaRPr>
-          </a:p>
-        </p:txBody>
-      </p:sp>
-      <p:sp>
-        <p:nvSpPr>
-          <p:cNvPr id="106" name="TextShape 2"/>
-          <p:cNvSpPr txBox="1"/>
+            <a:endParaRPr b="0" lang="en-US" sz="3200" spc="-1" strike="noStrike">
+              <a:latin typeface="Arial"/>
+            </a:endParaRPr>
+          </a:p>
+        </p:txBody>
+      </p:sp>
+      <p:sp>
+        <p:nvSpPr>
+          <p:cNvPr id="100" name="CustomShape 2"/>
+          <p:cNvSpPr/>
           <p:nvPr/>
         </p:nvSpPr>
         <p:spPr>
           <a:xfrm>
             <a:off x="360000" y="1980000"/>
-            <a:ext cx="9180000" cy="4680000"/>
+            <a:ext cx="9179640" cy="4679640"/>
           </a:xfrm>
           <a:prstGeom prst="rect">
             <a:avLst/>
@@ -4984,12 +4608,21 @@
             <a:noFill/>
           </a:ln>
         </p:spPr>
-        <p:txBody>
-          <a:bodyPr lIns="0" rIns="0" tIns="0" bIns="0">
-            <a:normAutofit/>
-          </a:bodyPr>
-          <a:p>
-            <a:pPr marL="216000" indent="-216000">
+        <p:style>
+          <a:lnRef idx="0"/>
+          <a:fillRef idx="0"/>
+          <a:effectRef idx="0"/>
+          <a:fontRef idx="minor"/>
+        </p:style>
+        <p:txBody>
+          <a:bodyPr lIns="0" rIns="0" tIns="0" bIns="0">
+            <a:normAutofit/>
+          </a:bodyPr>
+          <a:p>
+            <a:pPr marL="216000" indent="-215640">
+              <a:lnSpc>
+                <a:spcPct val="100000"/>
+              </a:lnSpc>
               <a:spcAft>
                 <a:spcPts val="1142"/>
               </a:spcAft>
@@ -5006,26 +4639,17 @@
                 </a:solidFill>
                 <a:latin typeface="Noto Sans SemiBold"/>
               </a:rPr>
-              <a:t>You give us </a:t>
+              <a:t>You give us money</a:t>
             </a:r>
-            <a:r>
-              <a:rPr b="1" lang="en-US" sz="2600" spc="-1" strike="noStrike">
-                <a:solidFill>
-                  <a:srgbClr val="1c1c1c"/>
-                </a:solidFill>
-                <a:latin typeface="Noto Sans SemiBold"/>
-              </a:rPr>
-              <a:t>money</a:t>
-            </a:r>
-            <a:endParaRPr b="1" lang="en-US" sz="2600" spc="-1" strike="noStrike">
-              <a:solidFill>
-                <a:srgbClr val="1c1c1c"/>
-              </a:solidFill>
-              <a:latin typeface="Noto Sans SemiBold"/>
-            </a:endParaRPr>
-          </a:p>
-          <a:p>
-            <a:pPr marL="216000" indent="-216000">
+            <a:endParaRPr b="0" lang="en-US" sz="2600" spc="-1" strike="noStrike">
+              <a:latin typeface="Arial"/>
+            </a:endParaRPr>
+          </a:p>
+          <a:p>
+            <a:pPr marL="216000" indent="-215640">
+              <a:lnSpc>
+                <a:spcPct val="100000"/>
+              </a:lnSpc>
               <a:spcAft>
                 <a:spcPts val="1142"/>
               </a:spcAft>
@@ -5042,53 +4666,17 @@
                 </a:solidFill>
                 <a:latin typeface="Noto Sans SemiBold"/>
               </a:rPr>
-              <a:t>We take some </a:t>
+              <a:t>We take some fruits and vegetables from those who have too much</a:t>
             </a:r>
-            <a:r>
-              <a:rPr b="1" lang="en-US" sz="2600" spc="-1" strike="noStrike">
-                <a:solidFill>
-                  <a:srgbClr val="1c1c1c"/>
-                </a:solidFill>
-                <a:latin typeface="Noto Sans SemiBold"/>
-              </a:rPr>
-              <a:t>fruits and </a:t>
-            </a:r>
-            <a:r>
-              <a:rPr b="1" lang="en-US" sz="2600" spc="-1" strike="noStrike">
-                <a:solidFill>
-                  <a:srgbClr val="1c1c1c"/>
-                </a:solidFill>
-                <a:latin typeface="Noto Sans SemiBold"/>
-              </a:rPr>
-              <a:t>vegetables from </a:t>
-            </a:r>
-            <a:r>
-              <a:rPr b="1" lang="en-US" sz="2600" spc="-1" strike="noStrike">
-                <a:solidFill>
-                  <a:srgbClr val="1c1c1c"/>
-                </a:solidFill>
-                <a:latin typeface="Noto Sans SemiBold"/>
-              </a:rPr>
-              <a:t>those who have </a:t>
-            </a:r>
-            <a:r>
-              <a:rPr b="1" lang="en-US" sz="2600" spc="-1" strike="noStrike">
-                <a:solidFill>
-                  <a:srgbClr val="1c1c1c"/>
-                </a:solidFill>
-                <a:latin typeface="Noto Sans SemiBold"/>
-              </a:rPr>
-              <a:t>too much</a:t>
-            </a:r>
-            <a:endParaRPr b="1" lang="en-US" sz="2600" spc="-1" strike="noStrike">
-              <a:solidFill>
-                <a:srgbClr val="1c1c1c"/>
-              </a:solidFill>
-              <a:latin typeface="Noto Sans SemiBold"/>
-            </a:endParaRPr>
-          </a:p>
-          <a:p>
-            <a:pPr marL="216000" indent="-216000">
+            <a:endParaRPr b="0" lang="en-US" sz="2600" spc="-1" strike="noStrike">
+              <a:latin typeface="Arial"/>
+            </a:endParaRPr>
+          </a:p>
+          <a:p>
+            <a:pPr marL="216000" indent="-215640">
+              <a:lnSpc>
+                <a:spcPct val="100000"/>
+              </a:lnSpc>
               <a:spcAft>
                 <a:spcPts val="1142"/>
               </a:spcAft>
@@ -5105,26 +4693,17 @@
                 </a:solidFill>
                 <a:latin typeface="Noto Sans SemiBold"/>
               </a:rPr>
-              <a:t>We turn them </a:t>
+              <a:t>We turn them into pie</a:t>
             </a:r>
-            <a:r>
-              <a:rPr b="1" lang="en-US" sz="2600" spc="-1" strike="noStrike">
-                <a:solidFill>
-                  <a:srgbClr val="1c1c1c"/>
-                </a:solidFill>
-                <a:latin typeface="Noto Sans SemiBold"/>
-              </a:rPr>
-              <a:t>into pie</a:t>
-            </a:r>
-            <a:endParaRPr b="1" lang="en-US" sz="2600" spc="-1" strike="noStrike">
-              <a:solidFill>
-                <a:srgbClr val="1c1c1c"/>
-              </a:solidFill>
-              <a:latin typeface="Noto Sans SemiBold"/>
-            </a:endParaRPr>
-          </a:p>
-          <a:p>
-            <a:pPr lvl="1" marL="432000" indent="-216000">
+            <a:endParaRPr b="0" lang="en-US" sz="2600" spc="-1" strike="noStrike">
+              <a:latin typeface="Arial"/>
+            </a:endParaRPr>
+          </a:p>
+          <a:p>
+            <a:pPr lvl="1" marL="432000" indent="-215640">
+              <a:lnSpc>
+                <a:spcPct val="100000"/>
+              </a:lnSpc>
               <a:spcAft>
                 <a:spcPts val="1134"/>
               </a:spcAft>
@@ -5141,35 +4720,17 @@
                 </a:solidFill>
                 <a:latin typeface="Noto Sans Light"/>
               </a:rPr>
-              <a:t>These pies will be </a:t>
-            </a:r>
-            <a:r>
-              <a:rPr b="0" lang="en-US" sz="2200" spc="-1" strike="noStrike">
-                <a:solidFill>
-                  <a:srgbClr val="1c1c1c"/>
-                </a:solidFill>
-                <a:latin typeface="Noto Sans Light"/>
-              </a:rPr>
-              <a:t>equally fruit and </a:t>
-            </a:r>
-            <a:r>
-              <a:rPr b="0" lang="en-US" sz="2200" spc="-1" strike="noStrike">
-                <a:solidFill>
-                  <a:srgbClr val="1c1c1c"/>
-                </a:solidFill>
-                <a:latin typeface="Noto Sans Light"/>
-              </a:rPr>
-              <a:t>vegetable</a:t>
+              <a:t>These pies will be equally fruit and vegetable</a:t>
             </a:r>
             <a:endParaRPr b="0" lang="en-US" sz="2200" spc="-1" strike="noStrike">
-              <a:solidFill>
-                <a:srgbClr val="1c1c1c"/>
-              </a:solidFill>
-              <a:latin typeface="Noto Sans Light"/>
-            </a:endParaRPr>
-          </a:p>
-          <a:p>
-            <a:pPr lvl="1" marL="432000" indent="-216000">
+              <a:latin typeface="Arial"/>
+            </a:endParaRPr>
+          </a:p>
+          <a:p>
+            <a:pPr lvl="1" marL="432000" indent="-215640">
+              <a:lnSpc>
+                <a:spcPct val="100000"/>
+              </a:lnSpc>
               <a:spcAft>
                 <a:spcPts val="1134"/>
               </a:spcAft>
@@ -5186,26 +4747,17 @@
                 </a:solidFill>
                 <a:latin typeface="Noto Sans Light"/>
               </a:rPr>
-              <a:t>They should be pie </a:t>
-            </a:r>
-            <a:r>
-              <a:rPr b="0" lang="en-US" sz="2200" spc="-1" strike="noStrike">
-                <a:solidFill>
-                  <a:srgbClr val="1c1c1c"/>
-                </a:solidFill>
-                <a:latin typeface="Noto Sans Light"/>
-              </a:rPr>
-              <a:t>shape when we arrive</a:t>
+              <a:t>They will probably be pie shaped when they arrive</a:t>
             </a:r>
             <a:endParaRPr b="0" lang="en-US" sz="2200" spc="-1" strike="noStrike">
-              <a:solidFill>
-                <a:srgbClr val="1c1c1c"/>
-              </a:solidFill>
-              <a:latin typeface="Noto Sans Light"/>
-            </a:endParaRPr>
-          </a:p>
-          <a:p>
-            <a:pPr marL="216000" indent="-216000">
+              <a:latin typeface="Arial"/>
+            </a:endParaRPr>
+          </a:p>
+          <a:p>
+            <a:pPr marL="216000" indent="-215640">
+              <a:lnSpc>
+                <a:spcPct val="100000"/>
+              </a:lnSpc>
               <a:spcAft>
                 <a:spcPts val="1142"/>
               </a:spcAft>
@@ -5222,35 +4774,17 @@
                 </a:solidFill>
                 <a:latin typeface="Noto Sans SemiBold"/>
               </a:rPr>
-              <a:t>We use the </a:t>
+              <a:t>We use the money to ship the pies</a:t>
             </a:r>
-            <a:r>
-              <a:rPr b="1" lang="en-US" sz="2600" spc="-1" strike="noStrike">
-                <a:solidFill>
-                  <a:srgbClr val="1c1c1c"/>
-                </a:solidFill>
-                <a:latin typeface="Noto Sans SemiBold"/>
-              </a:rPr>
-              <a:t>money to ship </a:t>
-            </a:r>
-            <a:r>
-              <a:rPr b="1" lang="en-US" sz="2600" spc="-1" strike="noStrike">
-                <a:solidFill>
-                  <a:srgbClr val="1c1c1c"/>
-                </a:solidFill>
-                <a:latin typeface="Noto Sans SemiBold"/>
-              </a:rPr>
-              <a:t>the pies</a:t>
-            </a:r>
-            <a:endParaRPr b="1" lang="en-US" sz="2600" spc="-1" strike="noStrike">
-              <a:solidFill>
-                <a:srgbClr val="1c1c1c"/>
-              </a:solidFill>
-              <a:latin typeface="Noto Sans SemiBold"/>
-            </a:endParaRPr>
-          </a:p>
-          <a:p>
-            <a:pPr marL="216000" indent="-216000">
+            <a:endParaRPr b="0" lang="en-US" sz="2600" spc="-1" strike="noStrike">
+              <a:latin typeface="Arial"/>
+            </a:endParaRPr>
+          </a:p>
+          <a:p>
+            <a:pPr marL="216000" indent="-215640">
+              <a:lnSpc>
+                <a:spcPct val="100000"/>
+              </a:lnSpc>
               <a:spcAft>
                 <a:spcPts val="1142"/>
               </a:spcAft>
@@ -5269,11 +4803,8 @@
               </a:rPr>
               <a:t>Profit?</a:t>
             </a:r>
-            <a:endParaRPr b="1" lang="en-US" sz="2600" spc="-1" strike="noStrike">
-              <a:solidFill>
-                <a:srgbClr val="1c1c1c"/>
-              </a:solidFill>
-              <a:latin typeface="Noto Sans SemiBold"/>
+            <a:endParaRPr b="0" lang="en-US" sz="2600" spc="-1" strike="noStrike">
+              <a:latin typeface="Arial"/>
             </a:endParaRPr>
           </a:p>
         </p:txBody>
@@ -5310,14 +4841,14 @@
       </p:grpSpPr>
       <p:sp>
         <p:nvSpPr>
-          <p:cNvPr id="107" name="TextShape 1"/>
-          <p:cNvSpPr txBox="1"/>
+          <p:cNvPr id="101" name="CustomShape 1"/>
+          <p:cNvSpPr/>
           <p:nvPr/>
         </p:nvSpPr>
         <p:spPr>
           <a:xfrm>
             <a:off x="360000" y="360000"/>
-            <a:ext cx="9360000" cy="900000"/>
+            <a:ext cx="9359640" cy="899640"/>
           </a:xfrm>
           <a:prstGeom prst="rect">
             <a:avLst/>
@@ -5327,11 +4858,22 @@
             <a:noFill/>
           </a:ln>
         </p:spPr>
+        <p:style>
+          <a:lnRef idx="0"/>
+          <a:fillRef idx="0"/>
+          <a:effectRef idx="0"/>
+          <a:fontRef idx="minor"/>
+        </p:style>
         <p:txBody>
           <a:bodyPr lIns="0" rIns="0" tIns="0" bIns="0" anchor="b">
             <a:noAutofit/>
           </a:bodyPr>
           <a:p>
+            <a:pPr>
+              <a:lnSpc>
+                <a:spcPct val="100000"/>
+              </a:lnSpc>
+            </a:pPr>
             <a:r>
               <a:rPr b="1" lang="en-US" sz="3200" spc="-1" strike="noStrike">
                 <a:solidFill>
@@ -5341,25 +4883,22 @@
               </a:rPr>
               <a:t>Thank you for watching!</a:t>
             </a:r>
-            <a:endParaRPr b="1" lang="en-US" sz="3200" spc="-1" strike="noStrike">
-              <a:solidFill>
-                <a:srgbClr val="ffffff"/>
-              </a:solidFill>
-              <a:latin typeface="Noto Sans Black"/>
-            </a:endParaRPr>
-          </a:p>
-        </p:txBody>
-      </p:sp>
-      <p:sp>
-        <p:nvSpPr>
-          <p:cNvPr id="108" name="TextShape 2"/>
-          <p:cNvSpPr txBox="1"/>
+            <a:endParaRPr b="0" lang="en-US" sz="3200" spc="-1" strike="noStrike">
+              <a:latin typeface="Arial"/>
+            </a:endParaRPr>
+          </a:p>
+        </p:txBody>
+      </p:sp>
+      <p:sp>
+        <p:nvSpPr>
+          <p:cNvPr id="102" name="CustomShape 2"/>
+          <p:cNvSpPr/>
           <p:nvPr/>
         </p:nvSpPr>
         <p:spPr>
           <a:xfrm>
             <a:off x="360000" y="1980000"/>
-            <a:ext cx="9180000" cy="4680000"/>
+            <a:ext cx="9179640" cy="4679640"/>
           </a:xfrm>
           <a:prstGeom prst="rect">
             <a:avLst/>
@@ -5369,12 +4908,21 @@
             <a:noFill/>
           </a:ln>
         </p:spPr>
+        <p:style>
+          <a:lnRef idx="0"/>
+          <a:fillRef idx="0"/>
+          <a:effectRef idx="0"/>
+          <a:fontRef idx="minor"/>
+        </p:style>
         <p:txBody>
           <a:bodyPr lIns="0" rIns="0" tIns="0" bIns="0">
             <a:normAutofit/>
           </a:bodyPr>
           <a:p>
             <a:pPr>
+              <a:lnSpc>
+                <a:spcPct val="100000"/>
+              </a:lnSpc>
               <a:spcAft>
                 <a:spcPts val="1142"/>
               </a:spcAft>
@@ -5386,22 +4934,10 @@
                 </a:solidFill>
                 <a:latin typeface="Noto Sans SemiBold"/>
               </a:rPr>
-              <a:t>You might not solve world hunger, but you can </a:t>
+              <a:t>You might not solve world hunger, but you can solve world nutritional imbalance.</a:t>
             </a:r>
-            <a:r>
-              <a:rPr b="1" lang="en-US" sz="2600" spc="-1" strike="noStrike">
-                <a:solidFill>
-                  <a:srgbClr val="1c1c1c"/>
-                </a:solidFill>
-                <a:latin typeface="Noto Sans SemiBold"/>
-              </a:rPr>
-              <a:t>solve world nutritional imbalance.</a:t>
-            </a:r>
-            <a:endParaRPr b="1" lang="en-US" sz="2600" spc="-1" strike="noStrike">
-              <a:solidFill>
-                <a:srgbClr val="1c1c1c"/>
-              </a:solidFill>
-              <a:latin typeface="Noto Sans SemiBold"/>
+            <a:endParaRPr b="0" lang="en-US" sz="2600" spc="-1" strike="noStrike">
+              <a:latin typeface="Arial"/>
             </a:endParaRPr>
           </a:p>
         </p:txBody>
@@ -5438,14 +4974,14 @@
       </p:grpSpPr>
       <p:sp>
         <p:nvSpPr>
-          <p:cNvPr id="109" name="TextShape 1"/>
-          <p:cNvSpPr txBox="1"/>
+          <p:cNvPr id="103" name="CustomShape 1"/>
+          <p:cNvSpPr/>
           <p:nvPr/>
         </p:nvSpPr>
         <p:spPr>
           <a:xfrm>
             <a:off x="360000" y="360000"/>
-            <a:ext cx="9360000" cy="900000"/>
+            <a:ext cx="9359640" cy="899640"/>
           </a:xfrm>
           <a:prstGeom prst="rect">
             <a:avLst/>
@@ -5455,11 +4991,22 @@
             <a:noFill/>
           </a:ln>
         </p:spPr>
+        <p:style>
+          <a:lnRef idx="0"/>
+          <a:fillRef idx="0"/>
+          <a:effectRef idx="0"/>
+          <a:fontRef idx="minor"/>
+        </p:style>
         <p:txBody>
           <a:bodyPr lIns="0" rIns="0" tIns="0" bIns="0" anchor="b">
             <a:noAutofit/>
           </a:bodyPr>
           <a:p>
+            <a:pPr>
+              <a:lnSpc>
+                <a:spcPct val="100000"/>
+              </a:lnSpc>
+            </a:pPr>
             <a:r>
               <a:rPr b="1" lang="en-US" sz="3200" spc="-1" strike="noStrike">
                 <a:solidFill>
@@ -5469,25 +5016,22 @@
               </a:rPr>
               <a:t>Works Cited</a:t>
             </a:r>
-            <a:endParaRPr b="1" lang="en-US" sz="3200" spc="-1" strike="noStrike">
-              <a:solidFill>
-                <a:srgbClr val="ffffff"/>
-              </a:solidFill>
-              <a:latin typeface="Noto Sans Black"/>
-            </a:endParaRPr>
-          </a:p>
-        </p:txBody>
-      </p:sp>
-      <p:sp>
-        <p:nvSpPr>
-          <p:cNvPr id="110" name="TextShape 2"/>
-          <p:cNvSpPr txBox="1"/>
+            <a:endParaRPr b="0" lang="en-US" sz="3200" spc="-1" strike="noStrike">
+              <a:latin typeface="Arial"/>
+            </a:endParaRPr>
+          </a:p>
+        </p:txBody>
+      </p:sp>
+      <p:sp>
+        <p:nvSpPr>
+          <p:cNvPr id="104" name="CustomShape 2"/>
+          <p:cNvSpPr/>
           <p:nvPr/>
         </p:nvSpPr>
         <p:spPr>
           <a:xfrm>
             <a:off x="360000" y="1980000"/>
-            <a:ext cx="9180000" cy="4680000"/>
+            <a:ext cx="9179640" cy="4679640"/>
           </a:xfrm>
           <a:prstGeom prst="rect">
             <a:avLst/>
@@ -5497,12 +5041,21 @@
             <a:noFill/>
           </a:ln>
         </p:spPr>
+        <p:style>
+          <a:lnRef idx="0"/>
+          <a:fillRef idx="0"/>
+          <a:effectRef idx="0"/>
+          <a:fontRef idx="minor"/>
+        </p:style>
         <p:txBody>
           <a:bodyPr lIns="0" rIns="0" tIns="0" bIns="0">
             <a:normAutofit/>
           </a:bodyPr>
           <a:p>
             <a:pPr>
+              <a:lnSpc>
+                <a:spcPct val="100000"/>
+              </a:lnSpc>
               <a:spcAft>
                 <a:spcPts val="1142"/>
               </a:spcAft>
@@ -5516,11 +5069,8 @@
               </a:rPr>
               <a:t>https://ourworldindata.org/diet-compositions</a:t>
             </a:r>
-            <a:endParaRPr b="1" lang="en-US" sz="2600" spc="-1" strike="noStrike">
-              <a:solidFill>
-                <a:srgbClr val="1c1c1c"/>
-              </a:solidFill>
-              <a:latin typeface="Noto Sans SemiBold"/>
+            <a:endParaRPr b="0" lang="en-US" sz="2600" spc="-1" strike="noStrike">
+              <a:latin typeface="Arial"/>
             </a:endParaRPr>
           </a:p>
         </p:txBody>
